--- a/_book/plot/global-organization-country-1.pptx
+++ b/_book/plot/global-organization-country-1.pptx
@@ -4562,7 +4562,7 @@
           </p:nvSpPr>
           <p:spPr>
             <a:xfrm>
-              <a:off x="4779446" y="2845933"/>
+              <a:off x="4779076" y="2841724"/>
               <a:ext cx="296153" cy="102003"/>
             </a:xfrm>
             <a:prstGeom prst="rect">
@@ -4608,7 +4608,7 @@
           </p:nvSpPr>
           <p:spPr>
             <a:xfrm>
-              <a:off x="4579075" y="4272401"/>
+              <a:off x="4381873" y="4470147"/>
               <a:ext cx="482977" cy="128018"/>
             </a:xfrm>
             <a:prstGeom prst="rect">
@@ -4654,7 +4654,7 @@
           </p:nvSpPr>
           <p:spPr>
             <a:xfrm>
-              <a:off x="5638309" y="3544169"/>
+              <a:off x="5832638" y="3346765"/>
               <a:ext cx="966091" cy="102003"/>
             </a:xfrm>
             <a:prstGeom prst="rect">
@@ -4700,7 +4700,7 @@
           </p:nvSpPr>
           <p:spPr>
             <a:xfrm>
-              <a:off x="5621445" y="2835217"/>
+              <a:off x="5621140" y="2844509"/>
               <a:ext cx="989436" cy="103852"/>
             </a:xfrm>
             <a:prstGeom prst="rect">

--- a/_book/plot/global-organization-country-1.pptx
+++ b/_book/plot/global-organization-country-1.pptx
@@ -3123,7 +3123,7 @@
           <p:spPr>
             <a:xfrm>
               <a:off x="2148681" y="1495425"/>
-              <a:ext cx="6400800" cy="4571999"/>
+              <a:ext cx="6400799" cy="4571999"/>
             </a:xfrm>
             <a:prstGeom prst="rect">
               <a:avLst/>
@@ -4562,7 +4562,7 @@
           </p:nvSpPr>
           <p:spPr>
             <a:xfrm>
-              <a:off x="4779076" y="2841724"/>
+              <a:off x="4779444" y="2842688"/>
               <a:ext cx="296153" cy="102003"/>
             </a:xfrm>
             <a:prstGeom prst="rect">
@@ -4608,7 +4608,7 @@
           </p:nvSpPr>
           <p:spPr>
             <a:xfrm>
-              <a:off x="4381873" y="4470147"/>
+              <a:off x="4382594" y="4472716"/>
               <a:ext cx="482977" cy="128018"/>
             </a:xfrm>
             <a:prstGeom prst="rect">
@@ -4654,7 +4654,7 @@
           </p:nvSpPr>
           <p:spPr>
             <a:xfrm>
-              <a:off x="5832638" y="3346765"/>
+              <a:off x="5834563" y="3350631"/>
               <a:ext cx="966091" cy="102003"/>
             </a:xfrm>
             <a:prstGeom prst="rect">
@@ -4700,7 +4700,7 @@
           </p:nvSpPr>
           <p:spPr>
             <a:xfrm>
-              <a:off x="5621140" y="2844509"/>
+              <a:off x="5621431" y="2850374"/>
               <a:ext cx="989436" cy="103852"/>
             </a:xfrm>
             <a:prstGeom prst="rect">

--- a/_book/plot/global-organization-country-1.pptx
+++ b/_book/plot/global-organization-country-1.pptx
@@ -4562,7 +4562,7 @@
           </p:nvSpPr>
           <p:spPr>
             <a:xfrm>
-              <a:off x="4779444" y="2842688"/>
+              <a:off x="4779451" y="2842418"/>
               <a:ext cx="296153" cy="102003"/>
             </a:xfrm>
             <a:prstGeom prst="rect">
@@ -4608,7 +4608,7 @@
           </p:nvSpPr>
           <p:spPr>
             <a:xfrm>
-              <a:off x="4382594" y="4472716"/>
+              <a:off x="4380215" y="4471880"/>
               <a:ext cx="482977" cy="128018"/>
             </a:xfrm>
             <a:prstGeom prst="rect">
@@ -4654,7 +4654,7 @@
           </p:nvSpPr>
           <p:spPr>
             <a:xfrm>
-              <a:off x="5834563" y="3350631"/>
+              <a:off x="5635481" y="3547988"/>
               <a:ext cx="966091" cy="102003"/>
             </a:xfrm>
             <a:prstGeom prst="rect">
@@ -4700,7 +4700,7 @@
           </p:nvSpPr>
           <p:spPr>
             <a:xfrm>
-              <a:off x="5621431" y="2850374"/>
+              <a:off x="5621448" y="2848312"/>
               <a:ext cx="989436" cy="103852"/>
             </a:xfrm>
             <a:prstGeom prst="rect">

--- a/_book/plot/global-organization-country-1.pptx
+++ b/_book/plot/global-organization-country-1.pptx
@@ -4562,7 +4562,7 @@
           </p:nvSpPr>
           <p:spPr>
             <a:xfrm>
-              <a:off x="4779451" y="2842418"/>
+              <a:off x="4779078" y="2841655"/>
               <a:ext cx="296153" cy="102003"/>
             </a:xfrm>
             <a:prstGeom prst="rect">
@@ -4608,7 +4608,7 @@
           </p:nvSpPr>
           <p:spPr>
             <a:xfrm>
-              <a:off x="4380215" y="4471880"/>
+              <a:off x="4580748" y="4268069"/>
               <a:ext cx="482977" cy="128018"/>
             </a:xfrm>
             <a:prstGeom prst="rect">
@@ -4654,7 +4654,7 @@
           </p:nvSpPr>
           <p:spPr>
             <a:xfrm>
-              <a:off x="5635481" y="3547988"/>
+              <a:off x="5634907" y="3548270"/>
               <a:ext cx="966091" cy="102003"/>
             </a:xfrm>
             <a:prstGeom prst="rect">
@@ -4700,7 +4700,7 @@
           </p:nvSpPr>
           <p:spPr>
             <a:xfrm>
-              <a:off x="5621448" y="2848312"/>
+              <a:off x="5621144" y="2841465"/>
               <a:ext cx="989436" cy="103852"/>
             </a:xfrm>
             <a:prstGeom prst="rect">

--- a/_book/plot/global-organization-country-1.pptx
+++ b/_book/plot/global-organization-country-1.pptx
@@ -4562,7 +4562,7 @@
           </p:nvSpPr>
           <p:spPr>
             <a:xfrm>
-              <a:off x="4779078" y="2841655"/>
+              <a:off x="4779505" y="2840047"/>
               <a:ext cx="296153" cy="102003"/>
             </a:xfrm>
             <a:prstGeom prst="rect">
@@ -4608,7 +4608,7 @@
           </p:nvSpPr>
           <p:spPr>
             <a:xfrm>
-              <a:off x="4580748" y="4268069"/>
+              <a:off x="4578811" y="4269397"/>
               <a:ext cx="482977" cy="128018"/>
             </a:xfrm>
             <a:prstGeom prst="rect">
@@ -4654,7 +4654,7 @@
           </p:nvSpPr>
           <p:spPr>
             <a:xfrm>
-              <a:off x="5634907" y="3548270"/>
+              <a:off x="5838433" y="3344452"/>
               <a:ext cx="966091" cy="102003"/>
             </a:xfrm>
             <a:prstGeom prst="rect">
@@ -4700,7 +4700,7 @@
           </p:nvSpPr>
           <p:spPr>
             <a:xfrm>
-              <a:off x="5621144" y="2841465"/>
+              <a:off x="5621252" y="2861785"/>
               <a:ext cx="989436" cy="103852"/>
             </a:xfrm>
             <a:prstGeom prst="rect">

--- a/_book/plot/global-organization-country-1.pptx
+++ b/_book/plot/global-organization-country-1.pptx
@@ -4562,7 +4562,7 @@
           </p:nvSpPr>
           <p:spPr>
             <a:xfrm>
-              <a:off x="4779505" y="2840047"/>
+              <a:off x="4779462" y="2842123"/>
               <a:ext cx="296153" cy="102003"/>
             </a:xfrm>
             <a:prstGeom prst="rect">
@@ -4608,7 +4608,7 @@
           </p:nvSpPr>
           <p:spPr>
             <a:xfrm>
-              <a:off x="4578811" y="4269397"/>
+              <a:off x="4579432" y="4272369"/>
               <a:ext cx="482977" cy="128018"/>
             </a:xfrm>
             <a:prstGeom prst="rect">
@@ -4654,7 +4654,7 @@
           </p:nvSpPr>
           <p:spPr>
             <a:xfrm>
-              <a:off x="5838433" y="3344452"/>
+              <a:off x="5638311" y="3544553"/>
               <a:ext cx="966091" cy="102003"/>
             </a:xfrm>
             <a:prstGeom prst="rect">
@@ -4700,7 +4700,7 @@
           </p:nvSpPr>
           <p:spPr>
             <a:xfrm>
-              <a:off x="5621252" y="2861785"/>
+              <a:off x="5621416" y="2851848"/>
               <a:ext cx="989436" cy="103852"/>
             </a:xfrm>
             <a:prstGeom prst="rect">

--- a/_book/plot/global-organization-country-1.pptx
+++ b/_book/plot/global-organization-country-1.pptx
@@ -4562,7 +4562,7 @@
           </p:nvSpPr>
           <p:spPr>
             <a:xfrm>
-              <a:off x="4779462" y="2842123"/>
+              <a:off x="4779637" y="2851865"/>
               <a:ext cx="296153" cy="102003"/>
             </a:xfrm>
             <a:prstGeom prst="rect">
@@ -4608,7 +4608,7 @@
           </p:nvSpPr>
           <p:spPr>
             <a:xfrm>
-              <a:off x="4579432" y="4272369"/>
+              <a:off x="4581570" y="4269522"/>
               <a:ext cx="482977" cy="128018"/>
             </a:xfrm>
             <a:prstGeom prst="rect">
@@ -4654,7 +4654,7 @@
           </p:nvSpPr>
           <p:spPr>
             <a:xfrm>
-              <a:off x="5638311" y="3544553"/>
+              <a:off x="5636756" y="3546489"/>
               <a:ext cx="966091" cy="102003"/>
             </a:xfrm>
             <a:prstGeom prst="rect">
@@ -4700,7 +4700,7 @@
           </p:nvSpPr>
           <p:spPr>
             <a:xfrm>
-              <a:off x="5621416" y="2851848"/>
+              <a:off x="5621425" y="2850926"/>
               <a:ext cx="989436" cy="103852"/>
             </a:xfrm>
             <a:prstGeom prst="rect">

--- a/_book/plot/global-organization-country-1.pptx
+++ b/_book/plot/global-organization-country-1.pptx
@@ -4562,7 +4562,7 @@
           </p:nvSpPr>
           <p:spPr>
             <a:xfrm>
-              <a:off x="4779637" y="2851865"/>
+              <a:off x="4779205" y="2838008"/>
               <a:ext cx="296153" cy="102003"/>
             </a:xfrm>
             <a:prstGeom prst="rect">
@@ -4608,7 +4608,7 @@
           </p:nvSpPr>
           <p:spPr>
             <a:xfrm>
-              <a:off x="4581570" y="4269522"/>
+              <a:off x="4383346" y="4466862"/>
               <a:ext cx="482977" cy="128018"/>
             </a:xfrm>
             <a:prstGeom prst="rect">
@@ -4654,7 +4654,7 @@
           </p:nvSpPr>
           <p:spPr>
             <a:xfrm>
-              <a:off x="5636756" y="3546489"/>
+              <a:off x="5633554" y="3549012"/>
               <a:ext cx="966091" cy="102003"/>
             </a:xfrm>
             <a:prstGeom prst="rect">
@@ -4700,7 +4700,7 @@
           </p:nvSpPr>
           <p:spPr>
             <a:xfrm>
-              <a:off x="5621425" y="2850926"/>
+              <a:off x="5621137" y="2838247"/>
               <a:ext cx="989436" cy="103852"/>
             </a:xfrm>
             <a:prstGeom prst="rect">

--- a/_book/plot/global-organization-country-1.pptx
+++ b/_book/plot/global-organization-country-1.pptx
@@ -4562,7 +4562,7 @@
           </p:nvSpPr>
           <p:spPr>
             <a:xfrm>
-              <a:off x="4779205" y="2838008"/>
+              <a:off x="4779168" y="2838629"/>
               <a:ext cx="296153" cy="102003"/>
             </a:xfrm>
             <a:prstGeom prst="rect">
@@ -4608,7 +4608,7 @@
           </p:nvSpPr>
           <p:spPr>
             <a:xfrm>
-              <a:off x="4383346" y="4466862"/>
+              <a:off x="4382752" y="4472467"/>
               <a:ext cx="482977" cy="128018"/>
             </a:xfrm>
             <a:prstGeom prst="rect">
@@ -4654,7 +4654,7 @@
           </p:nvSpPr>
           <p:spPr>
             <a:xfrm>
-              <a:off x="5633554" y="3549012"/>
+              <a:off x="5836505" y="3349370"/>
               <a:ext cx="966091" cy="102003"/>
             </a:xfrm>
             <a:prstGeom prst="rect">
@@ -4700,7 +4700,7 @@
           </p:nvSpPr>
           <p:spPr>
             <a:xfrm>
-              <a:off x="5621137" y="2838247"/>
+              <a:off x="5621123" y="2848066"/>
               <a:ext cx="989436" cy="103852"/>
             </a:xfrm>
             <a:prstGeom prst="rect">

--- a/_book/plot/global-organization-country-1.pptx
+++ b/_book/plot/global-organization-country-1.pptx
@@ -3108,10 +3108,10 @@
         </p:nvGrpSpPr>
         <p:grpSpPr>
           <a:xfrm>
-            <a:off x="2148682" y="1495425"/>
-            <a:ext cx="6400800" cy="4572000"/>
-            <a:chOff x="2148682" y="1495425"/>
-            <a:chExt cx="6400800" cy="4572000"/>
+            <a:off x="1691482" y="1521028"/>
+            <a:ext cx="7315200" cy="4520794"/>
+            <a:chOff x="1691482" y="1521028"/>
+            <a:chExt cx="7315200" cy="4520794"/>
           </a:xfrm>
         </p:grpSpPr>
         <p:sp>
@@ -3122,8 +3122,8 @@
           </p:nvSpPr>
           <p:spPr>
             <a:xfrm>
-              <a:off x="2148681" y="1495425"/>
-              <a:ext cx="6400799" cy="4571999"/>
+              <a:off x="1691481" y="1521028"/>
+              <a:ext cx="7315199" cy="4520793"/>
             </a:xfrm>
             <a:prstGeom prst="rect">
               <a:avLst/>
@@ -3157,228 +3157,228 @@
           </p:nvSpPr>
           <p:spPr>
             <a:xfrm>
-              <a:off x="4468050" y="1952625"/>
-              <a:ext cx="881031" cy="1828799"/>
+              <a:off x="4477917" y="1973107"/>
+              <a:ext cx="871163" cy="1808317"/>
             </a:xfrm>
             <a:custGeom>
               <a:avLst/>
               <a:pathLst>
-                <a:path w="881031" h="1828799">
+                <a:path w="871163" h="1808317">
                   <a:moveTo>
-                    <a:pt x="881031" y="1828799"/>
+                    <a:pt x="871163" y="1808317"/>
                   </a:moveTo>
                   <a:lnTo>
-                    <a:pt x="881031" y="1765737"/>
-                  </a:lnTo>
-                  <a:lnTo>
-                    <a:pt x="881031" y="1702675"/>
-                  </a:lnTo>
-                  <a:lnTo>
-                    <a:pt x="881031" y="1639613"/>
-                  </a:lnTo>
-                  <a:lnTo>
-                    <a:pt x="881031" y="1576551"/>
-                  </a:lnTo>
-                  <a:lnTo>
-                    <a:pt x="881031" y="1513489"/>
-                  </a:lnTo>
-                  <a:lnTo>
-                    <a:pt x="881031" y="1450427"/>
-                  </a:lnTo>
-                  <a:lnTo>
-                    <a:pt x="881031" y="1387365"/>
-                  </a:lnTo>
-                  <a:lnTo>
-                    <a:pt x="881031" y="1324303"/>
-                  </a:lnTo>
-                  <a:lnTo>
-                    <a:pt x="881031" y="1261241"/>
-                  </a:lnTo>
-                  <a:lnTo>
-                    <a:pt x="881031" y="1198179"/>
-                  </a:lnTo>
-                  <a:lnTo>
-                    <a:pt x="881031" y="1135117"/>
-                  </a:lnTo>
-                  <a:lnTo>
-                    <a:pt x="881031" y="1072055"/>
-                  </a:lnTo>
-                  <a:lnTo>
-                    <a:pt x="881031" y="1008993"/>
-                  </a:lnTo>
-                  <a:lnTo>
-                    <a:pt x="881031" y="945931"/>
-                  </a:lnTo>
-                  <a:lnTo>
-                    <a:pt x="881031" y="882868"/>
-                  </a:lnTo>
-                  <a:lnTo>
-                    <a:pt x="881031" y="819806"/>
-                  </a:lnTo>
-                  <a:lnTo>
-                    <a:pt x="881031" y="756744"/>
-                  </a:lnTo>
-                  <a:lnTo>
-                    <a:pt x="881031" y="693682"/>
-                  </a:lnTo>
-                  <a:lnTo>
-                    <a:pt x="881031" y="630620"/>
-                  </a:lnTo>
-                  <a:lnTo>
-                    <a:pt x="881031" y="567558"/>
-                  </a:lnTo>
-                  <a:lnTo>
-                    <a:pt x="881031" y="504496"/>
-                  </a:lnTo>
-                  <a:lnTo>
-                    <a:pt x="881031" y="441434"/>
-                  </a:lnTo>
-                  <a:lnTo>
-                    <a:pt x="881031" y="378372"/>
-                  </a:lnTo>
-                  <a:lnTo>
-                    <a:pt x="881031" y="315310"/>
-                  </a:lnTo>
-                  <a:lnTo>
-                    <a:pt x="881031" y="252248"/>
-                  </a:lnTo>
-                  <a:lnTo>
-                    <a:pt x="881031" y="189186"/>
-                  </a:lnTo>
-                  <a:lnTo>
-                    <a:pt x="881031" y="126124"/>
-                  </a:lnTo>
-                  <a:lnTo>
-                    <a:pt x="881031" y="63062"/>
-                  </a:lnTo>
-                  <a:lnTo>
-                    <a:pt x="881031" y="0"/>
-                  </a:lnTo>
-                  <a:lnTo>
-                    <a:pt x="815384" y="1178"/>
-                  </a:lnTo>
-                  <a:lnTo>
-                    <a:pt x="749821" y="4712"/>
-                  </a:lnTo>
-                  <a:lnTo>
-                    <a:pt x="684428" y="10598"/>
-                  </a:lnTo>
-                  <a:lnTo>
-                    <a:pt x="619288" y="18827"/>
-                  </a:lnTo>
-                  <a:lnTo>
-                    <a:pt x="554486" y="29389"/>
-                  </a:lnTo>
-                  <a:lnTo>
-                    <a:pt x="490104" y="42270"/>
-                  </a:lnTo>
-                  <a:lnTo>
-                    <a:pt x="426227" y="57455"/>
-                  </a:lnTo>
-                  <a:lnTo>
-                    <a:pt x="362935" y="74922"/>
-                  </a:lnTo>
-                  <a:lnTo>
-                    <a:pt x="300311" y="94650"/>
-                  </a:lnTo>
-                  <a:lnTo>
-                    <a:pt x="238436" y="116613"/>
-                  </a:lnTo>
-                  <a:lnTo>
-                    <a:pt x="177389" y="140783"/>
-                  </a:lnTo>
-                  <a:lnTo>
-                    <a:pt x="117250" y="167129"/>
-                  </a:lnTo>
-                  <a:lnTo>
-                    <a:pt x="58094" y="195617"/>
-                  </a:lnTo>
-                  <a:lnTo>
-                    <a:pt x="0" y="226210"/>
-                  </a:lnTo>
-                  <a:lnTo>
-                    <a:pt x="30380" y="281472"/>
-                  </a:lnTo>
-                  <a:lnTo>
-                    <a:pt x="60760" y="336733"/>
-                  </a:lnTo>
-                  <a:lnTo>
-                    <a:pt x="91141" y="391995"/>
-                  </a:lnTo>
-                  <a:lnTo>
-                    <a:pt x="121521" y="447257"/>
-                  </a:lnTo>
-                  <a:lnTo>
-                    <a:pt x="151901" y="502518"/>
-                  </a:lnTo>
-                  <a:lnTo>
-                    <a:pt x="182282" y="557780"/>
-                  </a:lnTo>
-                  <a:lnTo>
-                    <a:pt x="212662" y="613042"/>
-                  </a:lnTo>
-                  <a:lnTo>
-                    <a:pt x="243043" y="668304"/>
-                  </a:lnTo>
-                  <a:lnTo>
-                    <a:pt x="273423" y="723565"/>
-                  </a:lnTo>
-                  <a:lnTo>
-                    <a:pt x="303803" y="778827"/>
-                  </a:lnTo>
-                  <a:lnTo>
-                    <a:pt x="334184" y="834089"/>
-                  </a:lnTo>
-                  <a:lnTo>
-                    <a:pt x="364564" y="889350"/>
-                  </a:lnTo>
-                  <a:lnTo>
-                    <a:pt x="394944" y="944612"/>
-                  </a:lnTo>
-                  <a:lnTo>
-                    <a:pt x="425325" y="999874"/>
-                  </a:lnTo>
-                  <a:lnTo>
-                    <a:pt x="455705" y="1055136"/>
-                  </a:lnTo>
-                  <a:lnTo>
-                    <a:pt x="486086" y="1110397"/>
-                  </a:lnTo>
-                  <a:lnTo>
-                    <a:pt x="516466" y="1165659"/>
-                  </a:lnTo>
-                  <a:lnTo>
-                    <a:pt x="546846" y="1220921"/>
-                  </a:lnTo>
-                  <a:lnTo>
-                    <a:pt x="577227" y="1276182"/>
-                  </a:lnTo>
-                  <a:lnTo>
-                    <a:pt x="607607" y="1331444"/>
-                  </a:lnTo>
-                  <a:lnTo>
-                    <a:pt x="637988" y="1386706"/>
-                  </a:lnTo>
-                  <a:lnTo>
-                    <a:pt x="668368" y="1441968"/>
-                  </a:lnTo>
-                  <a:lnTo>
-                    <a:pt x="698748" y="1497229"/>
-                  </a:lnTo>
-                  <a:lnTo>
-                    <a:pt x="729129" y="1552491"/>
-                  </a:lnTo>
-                  <a:lnTo>
-                    <a:pt x="759509" y="1607753"/>
-                  </a:lnTo>
-                  <a:lnTo>
-                    <a:pt x="789889" y="1663014"/>
-                  </a:lnTo>
-                  <a:lnTo>
-                    <a:pt x="820270" y="1718276"/>
-                  </a:lnTo>
-                  <a:lnTo>
-                    <a:pt x="850650" y="1773538"/>
+                    <a:pt x="871163" y="1745961"/>
+                  </a:lnTo>
+                  <a:lnTo>
+                    <a:pt x="871163" y="1683605"/>
+                  </a:lnTo>
+                  <a:lnTo>
+                    <a:pt x="871163" y="1621250"/>
+                  </a:lnTo>
+                  <a:lnTo>
+                    <a:pt x="871163" y="1558894"/>
+                  </a:lnTo>
+                  <a:lnTo>
+                    <a:pt x="871163" y="1496538"/>
+                  </a:lnTo>
+                  <a:lnTo>
+                    <a:pt x="871163" y="1434182"/>
+                  </a:lnTo>
+                  <a:lnTo>
+                    <a:pt x="871163" y="1371827"/>
+                  </a:lnTo>
+                  <a:lnTo>
+                    <a:pt x="871163" y="1309471"/>
+                  </a:lnTo>
+                  <a:lnTo>
+                    <a:pt x="871163" y="1247115"/>
+                  </a:lnTo>
+                  <a:lnTo>
+                    <a:pt x="871163" y="1184759"/>
+                  </a:lnTo>
+                  <a:lnTo>
+                    <a:pt x="871163" y="1122403"/>
+                  </a:lnTo>
+                  <a:lnTo>
+                    <a:pt x="871163" y="1060048"/>
+                  </a:lnTo>
+                  <a:lnTo>
+                    <a:pt x="871163" y="997692"/>
+                  </a:lnTo>
+                  <a:lnTo>
+                    <a:pt x="871163" y="935336"/>
+                  </a:lnTo>
+                  <a:lnTo>
+                    <a:pt x="871163" y="872980"/>
+                  </a:lnTo>
+                  <a:lnTo>
+                    <a:pt x="871163" y="810625"/>
+                  </a:lnTo>
+                  <a:lnTo>
+                    <a:pt x="871163" y="748269"/>
+                  </a:lnTo>
+                  <a:lnTo>
+                    <a:pt x="871163" y="685913"/>
+                  </a:lnTo>
+                  <a:lnTo>
+                    <a:pt x="871163" y="623557"/>
+                  </a:lnTo>
+                  <a:lnTo>
+                    <a:pt x="871163" y="561201"/>
+                  </a:lnTo>
+                  <a:lnTo>
+                    <a:pt x="871163" y="498846"/>
+                  </a:lnTo>
+                  <a:lnTo>
+                    <a:pt x="871163" y="436490"/>
+                  </a:lnTo>
+                  <a:lnTo>
+                    <a:pt x="871163" y="374134"/>
+                  </a:lnTo>
+                  <a:lnTo>
+                    <a:pt x="871163" y="311778"/>
+                  </a:lnTo>
+                  <a:lnTo>
+                    <a:pt x="871163" y="249423"/>
+                  </a:lnTo>
+                  <a:lnTo>
+                    <a:pt x="871163" y="187067"/>
+                  </a:lnTo>
+                  <a:lnTo>
+                    <a:pt x="871163" y="124711"/>
+                  </a:lnTo>
+                  <a:lnTo>
+                    <a:pt x="871163" y="62355"/>
+                  </a:lnTo>
+                  <a:lnTo>
+                    <a:pt x="871163" y="0"/>
+                  </a:lnTo>
+                  <a:lnTo>
+                    <a:pt x="806251" y="1165"/>
+                  </a:lnTo>
+                  <a:lnTo>
+                    <a:pt x="741423" y="4660"/>
+                  </a:lnTo>
+                  <a:lnTo>
+                    <a:pt x="676762" y="10479"/>
+                  </a:lnTo>
+                  <a:lnTo>
+                    <a:pt x="612352" y="18616"/>
+                  </a:lnTo>
+                  <a:lnTo>
+                    <a:pt x="548276" y="29060"/>
+                  </a:lnTo>
+                  <a:lnTo>
+                    <a:pt x="484615" y="41797"/>
+                  </a:lnTo>
+                  <a:lnTo>
+                    <a:pt x="421453" y="56811"/>
+                  </a:lnTo>
+                  <a:lnTo>
+                    <a:pt x="358870" y="74083"/>
+                  </a:lnTo>
+                  <a:lnTo>
+                    <a:pt x="296948" y="93590"/>
+                  </a:lnTo>
+                  <a:lnTo>
+                    <a:pt x="235766" y="115307"/>
+                  </a:lnTo>
+                  <a:lnTo>
+                    <a:pt x="175403" y="139207"/>
+                  </a:lnTo>
+                  <a:lnTo>
+                    <a:pt x="115936" y="165257"/>
+                  </a:lnTo>
+                  <a:lnTo>
+                    <a:pt x="57444" y="193426"/>
+                  </a:lnTo>
+                  <a:lnTo>
+                    <a:pt x="0" y="223676"/>
+                  </a:lnTo>
+                  <a:lnTo>
+                    <a:pt x="30040" y="278319"/>
+                  </a:lnTo>
+                  <a:lnTo>
+                    <a:pt x="60080" y="332962"/>
+                  </a:lnTo>
+                  <a:lnTo>
+                    <a:pt x="90120" y="387605"/>
+                  </a:lnTo>
+                  <a:lnTo>
+                    <a:pt x="120160" y="442247"/>
+                  </a:lnTo>
+                  <a:lnTo>
+                    <a:pt x="150200" y="496890"/>
+                  </a:lnTo>
+                  <a:lnTo>
+                    <a:pt x="180240" y="551533"/>
+                  </a:lnTo>
+                  <a:lnTo>
+                    <a:pt x="210280" y="606176"/>
+                  </a:lnTo>
+                  <a:lnTo>
+                    <a:pt x="240320" y="660819"/>
+                  </a:lnTo>
+                  <a:lnTo>
+                    <a:pt x="270361" y="715461"/>
+                  </a:lnTo>
+                  <a:lnTo>
+                    <a:pt x="300401" y="770104"/>
+                  </a:lnTo>
+                  <a:lnTo>
+                    <a:pt x="330441" y="824747"/>
+                  </a:lnTo>
+                  <a:lnTo>
+                    <a:pt x="360481" y="879390"/>
+                  </a:lnTo>
+                  <a:lnTo>
+                    <a:pt x="390521" y="934032"/>
+                  </a:lnTo>
+                  <a:lnTo>
+                    <a:pt x="420561" y="988675"/>
+                  </a:lnTo>
+                  <a:lnTo>
+                    <a:pt x="450601" y="1043318"/>
+                  </a:lnTo>
+                  <a:lnTo>
+                    <a:pt x="480641" y="1097961"/>
+                  </a:lnTo>
+                  <a:lnTo>
+                    <a:pt x="510682" y="1152604"/>
+                  </a:lnTo>
+                  <a:lnTo>
+                    <a:pt x="540722" y="1207246"/>
+                  </a:lnTo>
+                  <a:lnTo>
+                    <a:pt x="570762" y="1261889"/>
+                  </a:lnTo>
+                  <a:lnTo>
+                    <a:pt x="600802" y="1316532"/>
+                  </a:lnTo>
+                  <a:lnTo>
+                    <a:pt x="630842" y="1371175"/>
+                  </a:lnTo>
+                  <a:lnTo>
+                    <a:pt x="660882" y="1425817"/>
+                  </a:lnTo>
+                  <a:lnTo>
+                    <a:pt x="690922" y="1480460"/>
+                  </a:lnTo>
+                  <a:lnTo>
+                    <a:pt x="720962" y="1535103"/>
+                  </a:lnTo>
+                  <a:lnTo>
+                    <a:pt x="751003" y="1589746"/>
+                  </a:lnTo>
+                  <a:lnTo>
+                    <a:pt x="781043" y="1644389"/>
+                  </a:lnTo>
+                  <a:lnTo>
+                    <a:pt x="811083" y="1699031"/>
+                  </a:lnTo>
+                  <a:lnTo>
+                    <a:pt x="841123" y="1753674"/>
                   </a:lnTo>
                   <a:close/>
                 </a:path>
@@ -3413,519 +3413,519 @@
           </p:nvSpPr>
           <p:spPr>
             <a:xfrm>
-              <a:off x="3520495" y="2178835"/>
-              <a:ext cx="3483334" cy="3431294"/>
+              <a:off x="3540975" y="2196784"/>
+              <a:ext cx="3444320" cy="3392864"/>
             </a:xfrm>
             <a:custGeom>
               <a:avLst/>
               <a:pathLst>
-                <a:path w="3483334" h="3431294">
+                <a:path w="3444320" h="3392864">
                   <a:moveTo>
-                    <a:pt x="1828586" y="1602589"/>
+                    <a:pt x="1808106" y="1584640"/>
                   </a:moveTo>
                   <a:lnTo>
-                    <a:pt x="1798206" y="1547327"/>
-                  </a:lnTo>
-                  <a:lnTo>
-                    <a:pt x="1767825" y="1492066"/>
-                  </a:lnTo>
-                  <a:lnTo>
-                    <a:pt x="1737445" y="1436804"/>
-                  </a:lnTo>
-                  <a:lnTo>
-                    <a:pt x="1707064" y="1381542"/>
-                  </a:lnTo>
-                  <a:lnTo>
-                    <a:pt x="1676684" y="1326281"/>
-                  </a:lnTo>
-                  <a:lnTo>
-                    <a:pt x="1646304" y="1271019"/>
-                  </a:lnTo>
-                  <a:lnTo>
-                    <a:pt x="1615923" y="1215757"/>
-                  </a:lnTo>
-                  <a:lnTo>
-                    <a:pt x="1585543" y="1160495"/>
-                  </a:lnTo>
-                  <a:lnTo>
-                    <a:pt x="1555162" y="1105234"/>
-                  </a:lnTo>
-                  <a:lnTo>
-                    <a:pt x="1524782" y="1049972"/>
-                  </a:lnTo>
-                  <a:lnTo>
-                    <a:pt x="1494402" y="994710"/>
-                  </a:lnTo>
-                  <a:lnTo>
-                    <a:pt x="1464021" y="939449"/>
-                  </a:lnTo>
-                  <a:lnTo>
-                    <a:pt x="1433641" y="884187"/>
-                  </a:lnTo>
-                  <a:lnTo>
-                    <a:pt x="1403261" y="828925"/>
-                  </a:lnTo>
-                  <a:lnTo>
-                    <a:pt x="1372880" y="773663"/>
-                  </a:lnTo>
-                  <a:lnTo>
-                    <a:pt x="1342500" y="718402"/>
-                  </a:lnTo>
-                  <a:lnTo>
-                    <a:pt x="1312119" y="663140"/>
-                  </a:lnTo>
-                  <a:lnTo>
-                    <a:pt x="1281739" y="607878"/>
-                  </a:lnTo>
-                  <a:lnTo>
-                    <a:pt x="1251359" y="552617"/>
-                  </a:lnTo>
-                  <a:lnTo>
-                    <a:pt x="1220978" y="497355"/>
-                  </a:lnTo>
-                  <a:lnTo>
-                    <a:pt x="1190598" y="442093"/>
-                  </a:lnTo>
-                  <a:lnTo>
-                    <a:pt x="1160217" y="386831"/>
-                  </a:lnTo>
-                  <a:lnTo>
-                    <a:pt x="1129837" y="331570"/>
-                  </a:lnTo>
-                  <a:lnTo>
-                    <a:pt x="1099457" y="276308"/>
-                  </a:lnTo>
-                  <a:lnTo>
-                    <a:pt x="1069076" y="221046"/>
-                  </a:lnTo>
-                  <a:lnTo>
-                    <a:pt x="1038696" y="165785"/>
-                  </a:lnTo>
-                  <a:lnTo>
-                    <a:pt x="1008316" y="110523"/>
-                  </a:lnTo>
-                  <a:lnTo>
-                    <a:pt x="977935" y="55261"/>
-                  </a:lnTo>
-                  <a:lnTo>
-                    <a:pt x="947555" y="0"/>
-                  </a:lnTo>
-                  <a:lnTo>
-                    <a:pt x="893644" y="30841"/>
-                  </a:lnTo>
-                  <a:lnTo>
-                    <a:pt x="840812" y="63494"/>
-                  </a:lnTo>
-                  <a:lnTo>
-                    <a:pt x="789119" y="97923"/>
-                  </a:lnTo>
-                  <a:lnTo>
-                    <a:pt x="738625" y="134088"/>
-                  </a:lnTo>
-                  <a:lnTo>
-                    <a:pt x="689389" y="171946"/>
-                  </a:lnTo>
-                  <a:lnTo>
-                    <a:pt x="641466" y="211455"/>
-                  </a:lnTo>
-                  <a:lnTo>
-                    <a:pt x="594912" y="252567"/>
-                  </a:lnTo>
-                  <a:lnTo>
-                    <a:pt x="549781" y="295237"/>
-                  </a:lnTo>
-                  <a:lnTo>
-                    <a:pt x="506126" y="339415"/>
-                  </a:lnTo>
-                  <a:lnTo>
-                    <a:pt x="463995" y="385050"/>
-                  </a:lnTo>
-                  <a:lnTo>
-                    <a:pt x="423439" y="432089"/>
-                  </a:lnTo>
-                  <a:lnTo>
-                    <a:pt x="384503" y="480478"/>
-                  </a:lnTo>
-                  <a:lnTo>
-                    <a:pt x="347232" y="530162"/>
-                  </a:lnTo>
-                  <a:lnTo>
-                    <a:pt x="311671" y="581082"/>
-                  </a:lnTo>
-                  <a:lnTo>
-                    <a:pt x="277858" y="633180"/>
-                  </a:lnTo>
-                  <a:lnTo>
-                    <a:pt x="245835" y="686397"/>
-                  </a:lnTo>
-                  <a:lnTo>
-                    <a:pt x="215637" y="740670"/>
-                  </a:lnTo>
-                  <a:lnTo>
-                    <a:pt x="187299" y="795937"/>
-                  </a:lnTo>
-                  <a:lnTo>
-                    <a:pt x="160854" y="852135"/>
-                  </a:lnTo>
-                  <a:lnTo>
-                    <a:pt x="136333" y="909198"/>
-                  </a:lnTo>
-                  <a:lnTo>
-                    <a:pt x="113764" y="967062"/>
-                  </a:lnTo>
-                  <a:lnTo>
-                    <a:pt x="93173" y="1025658"/>
-                  </a:lnTo>
-                  <a:lnTo>
-                    <a:pt x="74583" y="1084919"/>
-                  </a:lnTo>
-                  <a:lnTo>
-                    <a:pt x="58016" y="1144778"/>
-                  </a:lnTo>
-                  <a:lnTo>
-                    <a:pt x="43491" y="1205164"/>
-                  </a:lnTo>
-                  <a:lnTo>
-                    <a:pt x="31025" y="1266009"/>
-                  </a:lnTo>
-                  <a:lnTo>
-                    <a:pt x="20633" y="1327243"/>
-                  </a:lnTo>
-                  <a:lnTo>
-                    <a:pt x="12326" y="1388793"/>
-                  </a:lnTo>
-                  <a:lnTo>
-                    <a:pt x="6113" y="1450591"/>
-                  </a:lnTo>
-                  <a:lnTo>
-                    <a:pt x="2003" y="1512563"/>
-                  </a:lnTo>
-                  <a:lnTo>
-                    <a:pt x="0" y="1574640"/>
-                  </a:lnTo>
-                  <a:lnTo>
-                    <a:pt x="105" y="1636749"/>
-                  </a:lnTo>
-                  <a:lnTo>
-                    <a:pt x="2319" y="1698818"/>
-                  </a:lnTo>
-                  <a:lnTo>
-                    <a:pt x="6640" y="1760776"/>
-                  </a:lnTo>
-                  <a:lnTo>
-                    <a:pt x="13062" y="1822552"/>
-                  </a:lnTo>
-                  <a:lnTo>
-                    <a:pt x="21579" y="1884075"/>
-                  </a:lnTo>
-                  <a:lnTo>
-                    <a:pt x="32179" y="1945272"/>
-                  </a:lnTo>
-                  <a:lnTo>
-                    <a:pt x="44851" y="2006074"/>
-                  </a:lnTo>
-                  <a:lnTo>
-                    <a:pt x="59581" y="2066411"/>
-                  </a:lnTo>
-                  <a:lnTo>
-                    <a:pt x="76351" y="2126213"/>
-                  </a:lnTo>
-                  <a:lnTo>
-                    <a:pt x="95142" y="2185411"/>
-                  </a:lnTo>
-                  <a:lnTo>
-                    <a:pt x="115932" y="2243937"/>
-                  </a:lnTo>
-                  <a:lnTo>
-                    <a:pt x="138698" y="2301723"/>
-                  </a:lnTo>
-                  <a:lnTo>
-                    <a:pt x="163413" y="2358703"/>
-                  </a:lnTo>
-                  <a:lnTo>
-                    <a:pt x="190048" y="2414811"/>
-                  </a:lnTo>
-                  <a:lnTo>
-                    <a:pt x="218573" y="2469981"/>
-                  </a:lnTo>
-                  <a:lnTo>
-                    <a:pt x="248956" y="2524152"/>
-                  </a:lnTo>
-                  <a:lnTo>
-                    <a:pt x="281160" y="2577259"/>
-                  </a:lnTo>
-                  <a:lnTo>
-                    <a:pt x="315149" y="2629243"/>
-                  </a:lnTo>
-                  <a:lnTo>
-                    <a:pt x="350883" y="2680042"/>
-                  </a:lnTo>
-                  <a:lnTo>
-                    <a:pt x="388322" y="2729598"/>
-                  </a:lnTo>
-                  <a:lnTo>
-                    <a:pt x="427422" y="2777855"/>
-                  </a:lnTo>
-                  <a:lnTo>
-                    <a:pt x="468138" y="2824756"/>
-                  </a:lnTo>
-                  <a:lnTo>
-                    <a:pt x="510423" y="2870247"/>
-                  </a:lnTo>
-                  <a:lnTo>
-                    <a:pt x="554229" y="2914277"/>
-                  </a:lnTo>
-                  <a:lnTo>
-                    <a:pt x="599504" y="2956793"/>
-                  </a:lnTo>
-                  <a:lnTo>
-                    <a:pt x="646197" y="2997747"/>
-                  </a:lnTo>
-                  <a:lnTo>
-                    <a:pt x="694254" y="3037093"/>
-                  </a:lnTo>
-                  <a:lnTo>
-                    <a:pt x="743619" y="3074784"/>
-                  </a:lnTo>
-                  <a:lnTo>
-                    <a:pt x="794236" y="3110776"/>
-                  </a:lnTo>
-                  <a:lnTo>
-                    <a:pt x="846045" y="3145030"/>
-                  </a:lnTo>
-                  <a:lnTo>
-                    <a:pt x="898988" y="3177504"/>
-                  </a:lnTo>
-                  <a:lnTo>
-                    <a:pt x="953003" y="3208162"/>
-                  </a:lnTo>
-                  <a:lnTo>
-                    <a:pt x="1008028" y="3236968"/>
-                  </a:lnTo>
-                  <a:lnTo>
-                    <a:pt x="1063999" y="3263889"/>
-                  </a:lnTo>
-                  <a:lnTo>
-                    <a:pt x="1120852" y="3288893"/>
-                  </a:lnTo>
-                  <a:lnTo>
-                    <a:pt x="1178521" y="3311953"/>
-                  </a:lnTo>
-                  <a:lnTo>
-                    <a:pt x="1236940" y="3333041"/>
-                  </a:lnTo>
-                  <a:lnTo>
-                    <a:pt x="1296042" y="3352134"/>
-                  </a:lnTo>
-                  <a:lnTo>
-                    <a:pt x="1355758" y="3369208"/>
-                  </a:lnTo>
-                  <a:lnTo>
-                    <a:pt x="1416019" y="3384245"/>
-                  </a:lnTo>
-                  <a:lnTo>
-                    <a:pt x="1476756" y="3397227"/>
-                  </a:lnTo>
-                  <a:lnTo>
-                    <a:pt x="1537898" y="3408139"/>
-                  </a:lnTo>
-                  <a:lnTo>
-                    <a:pt x="1599376" y="3416969"/>
-                  </a:lnTo>
-                  <a:lnTo>
-                    <a:pt x="1661119" y="3423705"/>
-                  </a:lnTo>
-                  <a:lnTo>
-                    <a:pt x="1723054" y="3428342"/>
-                  </a:lnTo>
-                  <a:lnTo>
-                    <a:pt x="1785112" y="3430872"/>
-                  </a:lnTo>
-                  <a:lnTo>
-                    <a:pt x="1847219" y="3431294"/>
-                  </a:lnTo>
-                  <a:lnTo>
-                    <a:pt x="1909305" y="3429607"/>
-                  </a:lnTo>
-                  <a:lnTo>
-                    <a:pt x="1971298" y="3425812"/>
-                  </a:lnTo>
-                  <a:lnTo>
-                    <a:pt x="2033126" y="3419915"/>
-                  </a:lnTo>
-                  <a:lnTo>
-                    <a:pt x="2094718" y="3411921"/>
-                  </a:lnTo>
-                  <a:lnTo>
-                    <a:pt x="2156004" y="3401841"/>
-                  </a:lnTo>
-                  <a:lnTo>
-                    <a:pt x="2216911" y="3389685"/>
-                  </a:lnTo>
-                  <a:lnTo>
-                    <a:pt x="2277371" y="3375468"/>
-                  </a:lnTo>
-                  <a:lnTo>
-                    <a:pt x="2337314" y="3359207"/>
-                  </a:lnTo>
-                  <a:lnTo>
-                    <a:pt x="2396669" y="3340919"/>
-                  </a:lnTo>
-                  <a:lnTo>
-                    <a:pt x="2455369" y="3320626"/>
-                  </a:lnTo>
-                  <a:lnTo>
-                    <a:pt x="2513347" y="3298352"/>
-                  </a:lnTo>
-                  <a:lnTo>
-                    <a:pt x="2570534" y="3274122"/>
-                  </a:lnTo>
-                  <a:lnTo>
-                    <a:pt x="2626866" y="3247964"/>
-                  </a:lnTo>
-                  <a:lnTo>
-                    <a:pt x="2682277" y="3219908"/>
-                  </a:lnTo>
-                  <a:lnTo>
-                    <a:pt x="2736703" y="3189987"/>
-                  </a:lnTo>
-                  <a:lnTo>
-                    <a:pt x="2790082" y="3158235"/>
-                  </a:lnTo>
-                  <a:lnTo>
-                    <a:pt x="2842352" y="3124689"/>
-                  </a:lnTo>
-                  <a:lnTo>
-                    <a:pt x="2893453" y="3089387"/>
-                  </a:lnTo>
-                  <a:lnTo>
-                    <a:pt x="2943326" y="3052370"/>
-                  </a:lnTo>
-                  <a:lnTo>
-                    <a:pt x="2991912" y="3013681"/>
-                  </a:lnTo>
-                  <a:lnTo>
-                    <a:pt x="3039157" y="2973365"/>
-                  </a:lnTo>
-                  <a:lnTo>
-                    <a:pt x="3085006" y="2931467"/>
-                  </a:lnTo>
-                  <a:lnTo>
-                    <a:pt x="3129406" y="2888037"/>
-                  </a:lnTo>
-                  <a:lnTo>
-                    <a:pt x="3172305" y="2843125"/>
-                  </a:lnTo>
-                  <a:lnTo>
-                    <a:pt x="3213655" y="2796781"/>
-                  </a:lnTo>
-                  <a:lnTo>
-                    <a:pt x="3253407" y="2749060"/>
-                  </a:lnTo>
-                  <a:lnTo>
-                    <a:pt x="3291515" y="2700017"/>
-                  </a:lnTo>
-                  <a:lnTo>
-                    <a:pt x="3327937" y="2649708"/>
-                  </a:lnTo>
-                  <a:lnTo>
-                    <a:pt x="3362628" y="2598191"/>
-                  </a:lnTo>
-                  <a:lnTo>
-                    <a:pt x="3395551" y="2545526"/>
-                  </a:lnTo>
-                  <a:lnTo>
-                    <a:pt x="3426666" y="2491773"/>
-                  </a:lnTo>
-                  <a:lnTo>
-                    <a:pt x="3455938" y="2436995"/>
-                  </a:lnTo>
-                  <a:lnTo>
-                    <a:pt x="3483334" y="2381254"/>
-                  </a:lnTo>
-                  <a:lnTo>
-                    <a:pt x="3426273" y="2354404"/>
-                  </a:lnTo>
-                  <a:lnTo>
-                    <a:pt x="3369213" y="2327553"/>
-                  </a:lnTo>
-                  <a:lnTo>
-                    <a:pt x="3312153" y="2300703"/>
-                  </a:lnTo>
-                  <a:lnTo>
-                    <a:pt x="3255093" y="2273852"/>
-                  </a:lnTo>
-                  <a:lnTo>
-                    <a:pt x="3198032" y="2247002"/>
-                  </a:lnTo>
-                  <a:lnTo>
-                    <a:pt x="3140972" y="2220151"/>
-                  </a:lnTo>
-                  <a:lnTo>
-                    <a:pt x="3083912" y="2193301"/>
-                  </a:lnTo>
-                  <a:lnTo>
-                    <a:pt x="3026852" y="2166450"/>
-                  </a:lnTo>
-                  <a:lnTo>
-                    <a:pt x="2969791" y="2139600"/>
-                  </a:lnTo>
-                  <a:lnTo>
-                    <a:pt x="2912731" y="2112749"/>
-                  </a:lnTo>
-                  <a:lnTo>
-                    <a:pt x="2855671" y="2085899"/>
-                  </a:lnTo>
-                  <a:lnTo>
-                    <a:pt x="2798610" y="2059048"/>
-                  </a:lnTo>
-                  <a:lnTo>
-                    <a:pt x="2741550" y="2032198"/>
-                  </a:lnTo>
-                  <a:lnTo>
-                    <a:pt x="2684490" y="2005347"/>
-                  </a:lnTo>
-                  <a:lnTo>
-                    <a:pt x="2627430" y="1978496"/>
-                  </a:lnTo>
-                  <a:lnTo>
-                    <a:pt x="2570369" y="1951646"/>
-                  </a:lnTo>
-                  <a:lnTo>
-                    <a:pt x="2513309" y="1924795"/>
-                  </a:lnTo>
-                  <a:lnTo>
-                    <a:pt x="2456249" y="1897945"/>
-                  </a:lnTo>
-                  <a:lnTo>
-                    <a:pt x="2399189" y="1871094"/>
-                  </a:lnTo>
-                  <a:lnTo>
-                    <a:pt x="2342128" y="1844244"/>
-                  </a:lnTo>
-                  <a:lnTo>
-                    <a:pt x="2285068" y="1817393"/>
-                  </a:lnTo>
-                  <a:lnTo>
-                    <a:pt x="2228008" y="1790543"/>
-                  </a:lnTo>
-                  <a:lnTo>
-                    <a:pt x="2170948" y="1763692"/>
-                  </a:lnTo>
-                  <a:lnTo>
-                    <a:pt x="2113887" y="1736842"/>
-                  </a:lnTo>
-                  <a:lnTo>
-                    <a:pt x="2056827" y="1709991"/>
-                  </a:lnTo>
-                  <a:lnTo>
-                    <a:pt x="1999767" y="1683141"/>
-                  </a:lnTo>
-                  <a:lnTo>
-                    <a:pt x="1942706" y="1656290"/>
-                  </a:lnTo>
-                  <a:lnTo>
-                    <a:pt x="1885646" y="1629440"/>
+                    <a:pt x="1778066" y="1529997"/>
+                  </a:lnTo>
+                  <a:lnTo>
+                    <a:pt x="1748026" y="1475355"/>
+                  </a:lnTo>
+                  <a:lnTo>
+                    <a:pt x="1717985" y="1420712"/>
+                  </a:lnTo>
+                  <a:lnTo>
+                    <a:pt x="1687945" y="1366069"/>
+                  </a:lnTo>
+                  <a:lnTo>
+                    <a:pt x="1657905" y="1311426"/>
+                  </a:lnTo>
+                  <a:lnTo>
+                    <a:pt x="1627865" y="1256783"/>
+                  </a:lnTo>
+                  <a:lnTo>
+                    <a:pt x="1597825" y="1202141"/>
+                  </a:lnTo>
+                  <a:lnTo>
+                    <a:pt x="1567785" y="1147498"/>
+                  </a:lnTo>
+                  <a:lnTo>
+                    <a:pt x="1537745" y="1092855"/>
+                  </a:lnTo>
+                  <a:lnTo>
+                    <a:pt x="1507705" y="1038212"/>
+                  </a:lnTo>
+                  <a:lnTo>
+                    <a:pt x="1477664" y="983570"/>
+                  </a:lnTo>
+                  <a:lnTo>
+                    <a:pt x="1447624" y="928927"/>
+                  </a:lnTo>
+                  <a:lnTo>
+                    <a:pt x="1417584" y="874284"/>
+                  </a:lnTo>
+                  <a:lnTo>
+                    <a:pt x="1387544" y="819641"/>
+                  </a:lnTo>
+                  <a:lnTo>
+                    <a:pt x="1357504" y="764998"/>
+                  </a:lnTo>
+                  <a:lnTo>
+                    <a:pt x="1327464" y="710356"/>
+                  </a:lnTo>
+                  <a:lnTo>
+                    <a:pt x="1297424" y="655713"/>
+                  </a:lnTo>
+                  <a:lnTo>
+                    <a:pt x="1267384" y="601070"/>
+                  </a:lnTo>
+                  <a:lnTo>
+                    <a:pt x="1237343" y="546427"/>
+                  </a:lnTo>
+                  <a:lnTo>
+                    <a:pt x="1207303" y="491785"/>
+                  </a:lnTo>
+                  <a:lnTo>
+                    <a:pt x="1177263" y="437142"/>
+                  </a:lnTo>
+                  <a:lnTo>
+                    <a:pt x="1147223" y="382499"/>
+                  </a:lnTo>
+                  <a:lnTo>
+                    <a:pt x="1117183" y="327856"/>
+                  </a:lnTo>
+                  <a:lnTo>
+                    <a:pt x="1087143" y="273213"/>
+                  </a:lnTo>
+                  <a:lnTo>
+                    <a:pt x="1057103" y="218571"/>
+                  </a:lnTo>
+                  <a:lnTo>
+                    <a:pt x="1027063" y="163928"/>
+                  </a:lnTo>
+                  <a:lnTo>
+                    <a:pt x="997022" y="109285"/>
+                  </a:lnTo>
+                  <a:lnTo>
+                    <a:pt x="966982" y="54642"/>
+                  </a:lnTo>
+                  <a:lnTo>
+                    <a:pt x="936942" y="0"/>
+                  </a:lnTo>
+                  <a:lnTo>
+                    <a:pt x="883636" y="30495"/>
+                  </a:lnTo>
+                  <a:lnTo>
+                    <a:pt x="831395" y="62783"/>
+                  </a:lnTo>
+                  <a:lnTo>
+                    <a:pt x="780281" y="96827"/>
+                  </a:lnTo>
+                  <a:lnTo>
+                    <a:pt x="730353" y="132586"/>
+                  </a:lnTo>
+                  <a:lnTo>
+                    <a:pt x="681668" y="170020"/>
+                  </a:lnTo>
+                  <a:lnTo>
+                    <a:pt x="634281" y="209086"/>
+                  </a:lnTo>
+                  <a:lnTo>
+                    <a:pt x="588249" y="249739"/>
+                  </a:lnTo>
+                  <a:lnTo>
+                    <a:pt x="543624" y="291931"/>
+                  </a:lnTo>
+                  <a:lnTo>
+                    <a:pt x="500457" y="335614"/>
+                  </a:lnTo>
+                  <a:lnTo>
+                    <a:pt x="458798" y="380737"/>
+                  </a:lnTo>
+                  <a:lnTo>
+                    <a:pt x="418696" y="427250"/>
+                  </a:lnTo>
+                  <a:lnTo>
+                    <a:pt x="380196" y="475097"/>
+                  </a:lnTo>
+                  <a:lnTo>
+                    <a:pt x="343343" y="524224"/>
+                  </a:lnTo>
+                  <a:lnTo>
+                    <a:pt x="308180" y="574574"/>
+                  </a:lnTo>
+                  <a:lnTo>
+                    <a:pt x="274746" y="626089"/>
+                  </a:lnTo>
+                  <a:lnTo>
+                    <a:pt x="243082" y="678709"/>
+                  </a:lnTo>
+                  <a:lnTo>
+                    <a:pt x="213222" y="732374"/>
+                  </a:lnTo>
+                  <a:lnTo>
+                    <a:pt x="185201" y="787023"/>
+                  </a:lnTo>
+                  <a:lnTo>
+                    <a:pt x="159053" y="842591"/>
+                  </a:lnTo>
+                  <a:lnTo>
+                    <a:pt x="134806" y="899015"/>
+                  </a:lnTo>
+                  <a:lnTo>
+                    <a:pt x="112490" y="956230"/>
+                  </a:lnTo>
+                  <a:lnTo>
+                    <a:pt x="92129" y="1014170"/>
+                  </a:lnTo>
+                  <a:lnTo>
+                    <a:pt x="73747" y="1072768"/>
+                  </a:lnTo>
+                  <a:lnTo>
+                    <a:pt x="57366" y="1131956"/>
+                  </a:lnTo>
+                  <a:lnTo>
+                    <a:pt x="43004" y="1191666"/>
+                  </a:lnTo>
+                  <a:lnTo>
+                    <a:pt x="30678" y="1251830"/>
+                  </a:lnTo>
+                  <a:lnTo>
+                    <a:pt x="20402" y="1312377"/>
+                  </a:lnTo>
+                  <a:lnTo>
+                    <a:pt x="12188" y="1373239"/>
+                  </a:lnTo>
+                  <a:lnTo>
+                    <a:pt x="6045" y="1434344"/>
+                  </a:lnTo>
+                  <a:lnTo>
+                    <a:pt x="1981" y="1495623"/>
+                  </a:lnTo>
+                  <a:lnTo>
+                    <a:pt x="0" y="1557004"/>
+                  </a:lnTo>
+                  <a:lnTo>
+                    <a:pt x="104" y="1618417"/>
+                  </a:lnTo>
+                  <a:lnTo>
+                    <a:pt x="2293" y="1679791"/>
+                  </a:lnTo>
+                  <a:lnTo>
+                    <a:pt x="6566" y="1741056"/>
+                  </a:lnTo>
+                  <a:lnTo>
+                    <a:pt x="12916" y="1802140"/>
+                  </a:lnTo>
+                  <a:lnTo>
+                    <a:pt x="21337" y="1862973"/>
+                  </a:lnTo>
+                  <a:lnTo>
+                    <a:pt x="31819" y="1923485"/>
+                  </a:lnTo>
+                  <a:lnTo>
+                    <a:pt x="44349" y="1983606"/>
+                  </a:lnTo>
+                  <a:lnTo>
+                    <a:pt x="58914" y="2043268"/>
+                  </a:lnTo>
+                  <a:lnTo>
+                    <a:pt x="75496" y="2102400"/>
+                  </a:lnTo>
+                  <a:lnTo>
+                    <a:pt x="94076" y="2160935"/>
+                  </a:lnTo>
+                  <a:lnTo>
+                    <a:pt x="114634" y="2218805"/>
+                  </a:lnTo>
+                  <a:lnTo>
+                    <a:pt x="137145" y="2275944"/>
+                  </a:lnTo>
+                  <a:lnTo>
+                    <a:pt x="161583" y="2332285"/>
+                  </a:lnTo>
+                  <a:lnTo>
+                    <a:pt x="187920" y="2387765"/>
+                  </a:lnTo>
+                  <a:lnTo>
+                    <a:pt x="216125" y="2442318"/>
+                  </a:lnTo>
+                  <a:lnTo>
+                    <a:pt x="246167" y="2495881"/>
+                  </a:lnTo>
+                  <a:lnTo>
+                    <a:pt x="278011" y="2548394"/>
+                  </a:lnTo>
+                  <a:lnTo>
+                    <a:pt x="311619" y="2599795"/>
+                  </a:lnTo>
+                  <a:lnTo>
+                    <a:pt x="346953" y="2650025"/>
+                  </a:lnTo>
+                  <a:lnTo>
+                    <a:pt x="383973" y="2699027"/>
+                  </a:lnTo>
+                  <a:lnTo>
+                    <a:pt x="422635" y="2746743"/>
+                  </a:lnTo>
+                  <a:lnTo>
+                    <a:pt x="462895" y="2793119"/>
+                  </a:lnTo>
+                  <a:lnTo>
+                    <a:pt x="504707" y="2838100"/>
+                  </a:lnTo>
+                  <a:lnTo>
+                    <a:pt x="548022" y="2881637"/>
+                  </a:lnTo>
+                  <a:lnTo>
+                    <a:pt x="592790" y="2923677"/>
+                  </a:lnTo>
+                  <a:lnTo>
+                    <a:pt x="638960" y="2964173"/>
+                  </a:lnTo>
+                  <a:lnTo>
+                    <a:pt x="686478" y="3003077"/>
+                  </a:lnTo>
+                  <a:lnTo>
+                    <a:pt x="735291" y="3040346"/>
+                  </a:lnTo>
+                  <a:lnTo>
+                    <a:pt x="785340" y="3075936"/>
+                  </a:lnTo>
+                  <a:lnTo>
+                    <a:pt x="836569" y="3109805"/>
+                  </a:lnTo>
+                  <a:lnTo>
+                    <a:pt x="888919" y="3141916"/>
+                  </a:lnTo>
+                  <a:lnTo>
+                    <a:pt x="942329" y="3172230"/>
+                  </a:lnTo>
+                  <a:lnTo>
+                    <a:pt x="996738" y="3200714"/>
+                  </a:lnTo>
+                  <a:lnTo>
+                    <a:pt x="1052082" y="3227333"/>
+                  </a:lnTo>
+                  <a:lnTo>
+                    <a:pt x="1108298" y="3252058"/>
+                  </a:lnTo>
+                  <a:lnTo>
+                    <a:pt x="1165322" y="3274859"/>
+                  </a:lnTo>
+                  <a:lnTo>
+                    <a:pt x="1223087" y="3295711"/>
+                  </a:lnTo>
+                  <a:lnTo>
+                    <a:pt x="1281526" y="3314590"/>
+                  </a:lnTo>
+                  <a:lnTo>
+                    <a:pt x="1340573" y="3331473"/>
+                  </a:lnTo>
+                  <a:lnTo>
+                    <a:pt x="1400159" y="3346342"/>
+                  </a:lnTo>
+                  <a:lnTo>
+                    <a:pt x="1460216" y="3359178"/>
+                  </a:lnTo>
+                  <a:lnTo>
+                    <a:pt x="1520674" y="3369968"/>
+                  </a:lnTo>
+                  <a:lnTo>
+                    <a:pt x="1581463" y="3378698"/>
+                  </a:lnTo>
+                  <a:lnTo>
+                    <a:pt x="1642514" y="3385360"/>
+                  </a:lnTo>
+                  <a:lnTo>
+                    <a:pt x="1703756" y="3389944"/>
+                  </a:lnTo>
+                  <a:lnTo>
+                    <a:pt x="1765118" y="3392447"/>
+                  </a:lnTo>
+                  <a:lnTo>
+                    <a:pt x="1826530" y="3392864"/>
+                  </a:lnTo>
+                  <a:lnTo>
+                    <a:pt x="1887921" y="3391195"/>
+                  </a:lnTo>
+                  <a:lnTo>
+                    <a:pt x="1949219" y="3387443"/>
+                  </a:lnTo>
+                  <a:lnTo>
+                    <a:pt x="2010355" y="3381612"/>
+                  </a:lnTo>
+                  <a:lnTo>
+                    <a:pt x="2071258" y="3373708"/>
+                  </a:lnTo>
+                  <a:lnTo>
+                    <a:pt x="2131857" y="3363740"/>
+                  </a:lnTo>
+                  <a:lnTo>
+                    <a:pt x="2192082" y="3351721"/>
+                  </a:lnTo>
+                  <a:lnTo>
+                    <a:pt x="2251865" y="3337663"/>
+                  </a:lnTo>
+                  <a:lnTo>
+                    <a:pt x="2311136" y="3321584"/>
+                  </a:lnTo>
+                  <a:lnTo>
+                    <a:pt x="2369826" y="3303501"/>
+                  </a:lnTo>
+                  <a:lnTo>
+                    <a:pt x="2427869" y="3283435"/>
+                  </a:lnTo>
+                  <a:lnTo>
+                    <a:pt x="2485197" y="3261411"/>
+                  </a:lnTo>
+                  <a:lnTo>
+                    <a:pt x="2541744" y="3237452"/>
+                  </a:lnTo>
+                  <a:lnTo>
+                    <a:pt x="2597445" y="3211587"/>
+                  </a:lnTo>
+                  <a:lnTo>
+                    <a:pt x="2652235" y="3183845"/>
+                  </a:lnTo>
+                  <a:lnTo>
+                    <a:pt x="2706052" y="3154259"/>
+                  </a:lnTo>
+                  <a:lnTo>
+                    <a:pt x="2758833" y="3122863"/>
+                  </a:lnTo>
+                  <a:lnTo>
+                    <a:pt x="2810518" y="3089692"/>
+                  </a:lnTo>
+                  <a:lnTo>
+                    <a:pt x="2861046" y="3054786"/>
+                  </a:lnTo>
+                  <a:lnTo>
+                    <a:pt x="2910360" y="3018184"/>
+                  </a:lnTo>
+                  <a:lnTo>
+                    <a:pt x="2958403" y="2979928"/>
+                  </a:lnTo>
+                  <a:lnTo>
+                    <a:pt x="3005119" y="2940063"/>
+                  </a:lnTo>
+                  <a:lnTo>
+                    <a:pt x="3050454" y="2898635"/>
+                  </a:lnTo>
+                  <a:lnTo>
+                    <a:pt x="3094357" y="2855691"/>
+                  </a:lnTo>
+                  <a:lnTo>
+                    <a:pt x="3136775" y="2811282"/>
+                  </a:lnTo>
+                  <a:lnTo>
+                    <a:pt x="3177662" y="2765457"/>
+                  </a:lnTo>
+                  <a:lnTo>
+                    <a:pt x="3216968" y="2718270"/>
+                  </a:lnTo>
+                  <a:lnTo>
+                    <a:pt x="3254650" y="2669776"/>
+                  </a:lnTo>
+                  <a:lnTo>
+                    <a:pt x="3290664" y="2620031"/>
+                  </a:lnTo>
+                  <a:lnTo>
+                    <a:pt x="3324967" y="2569091"/>
+                  </a:lnTo>
+                  <a:lnTo>
+                    <a:pt x="3357521" y="2517016"/>
+                  </a:lnTo>
+                  <a:lnTo>
+                    <a:pt x="3388288" y="2463865"/>
+                  </a:lnTo>
+                  <a:lnTo>
+                    <a:pt x="3417232" y="2409701"/>
+                  </a:lnTo>
+                  <a:lnTo>
+                    <a:pt x="3444320" y="2354584"/>
+                  </a:lnTo>
+                  <a:lnTo>
+                    <a:pt x="3387899" y="2328034"/>
+                  </a:lnTo>
+                  <a:lnTo>
+                    <a:pt x="3331478" y="2301485"/>
+                  </a:lnTo>
+                  <a:lnTo>
+                    <a:pt x="3275057" y="2274935"/>
+                  </a:lnTo>
+                  <a:lnTo>
+                    <a:pt x="3218636" y="2248385"/>
+                  </a:lnTo>
+                  <a:lnTo>
+                    <a:pt x="3162214" y="2221835"/>
+                  </a:lnTo>
+                  <a:lnTo>
+                    <a:pt x="3105793" y="2195285"/>
+                  </a:lnTo>
+                  <a:lnTo>
+                    <a:pt x="3049372" y="2168736"/>
+                  </a:lnTo>
+                  <a:lnTo>
+                    <a:pt x="2992951" y="2142186"/>
+                  </a:lnTo>
+                  <a:lnTo>
+                    <a:pt x="2936530" y="2115636"/>
+                  </a:lnTo>
+                  <a:lnTo>
+                    <a:pt x="2880108" y="2089086"/>
+                  </a:lnTo>
+                  <a:lnTo>
+                    <a:pt x="2823687" y="2062537"/>
+                  </a:lnTo>
+                  <a:lnTo>
+                    <a:pt x="2767266" y="2035987"/>
+                  </a:lnTo>
+                  <a:lnTo>
+                    <a:pt x="2710845" y="2009437"/>
+                  </a:lnTo>
+                  <a:lnTo>
+                    <a:pt x="2654424" y="1982887"/>
+                  </a:lnTo>
+                  <a:lnTo>
+                    <a:pt x="2598002" y="1956337"/>
+                  </a:lnTo>
+                  <a:lnTo>
+                    <a:pt x="2541581" y="1929788"/>
+                  </a:lnTo>
+                  <a:lnTo>
+                    <a:pt x="2485160" y="1903238"/>
+                  </a:lnTo>
+                  <a:lnTo>
+                    <a:pt x="2428739" y="1876688"/>
+                  </a:lnTo>
+                  <a:lnTo>
+                    <a:pt x="2372318" y="1850138"/>
+                  </a:lnTo>
+                  <a:lnTo>
+                    <a:pt x="2315896" y="1823588"/>
+                  </a:lnTo>
+                  <a:lnTo>
+                    <a:pt x="2259475" y="1797039"/>
+                  </a:lnTo>
+                  <a:lnTo>
+                    <a:pt x="2203054" y="1770489"/>
+                  </a:lnTo>
+                  <a:lnTo>
+                    <a:pt x="2146633" y="1743939"/>
+                  </a:lnTo>
+                  <a:lnTo>
+                    <a:pt x="2090212" y="1717389"/>
+                  </a:lnTo>
+                  <a:lnTo>
+                    <a:pt x="2033791" y="1690839"/>
+                  </a:lnTo>
+                  <a:lnTo>
+                    <a:pt x="1977369" y="1664290"/>
+                  </a:lnTo>
+                  <a:lnTo>
+                    <a:pt x="1920948" y="1637740"/>
+                  </a:lnTo>
+                  <a:lnTo>
+                    <a:pt x="1864527" y="1611190"/>
                   </a:lnTo>
                   <a:close/>
                 </a:path>
@@ -3960,318 +3960,318 @@
           </p:nvSpPr>
           <p:spPr>
             <a:xfrm>
-              <a:off x="5349081" y="2178835"/>
-              <a:ext cx="1828770" cy="2381254"/>
+              <a:off x="5349081" y="2196784"/>
+              <a:ext cx="1808287" cy="2354584"/>
             </a:xfrm>
             <a:custGeom>
               <a:avLst/>
               <a:pathLst>
-                <a:path w="1828770" h="2381254">
+                <a:path w="1808287" h="2354584">
                   <a:moveTo>
-                    <a:pt x="0" y="1602589"/>
+                    <a:pt x="0" y="1584640"/>
                   </a:moveTo>
                   <a:lnTo>
-                    <a:pt x="57060" y="1629440"/>
-                  </a:lnTo>
-                  <a:lnTo>
-                    <a:pt x="114120" y="1656290"/>
-                  </a:lnTo>
-                  <a:lnTo>
-                    <a:pt x="171180" y="1683141"/>
-                  </a:lnTo>
-                  <a:lnTo>
-                    <a:pt x="228241" y="1709991"/>
-                  </a:lnTo>
-                  <a:lnTo>
-                    <a:pt x="285301" y="1736842"/>
-                  </a:lnTo>
-                  <a:lnTo>
-                    <a:pt x="342361" y="1763692"/>
-                  </a:lnTo>
-                  <a:lnTo>
-                    <a:pt x="399421" y="1790543"/>
-                  </a:lnTo>
-                  <a:lnTo>
-                    <a:pt x="456482" y="1817393"/>
-                  </a:lnTo>
-                  <a:lnTo>
-                    <a:pt x="513542" y="1844244"/>
-                  </a:lnTo>
-                  <a:lnTo>
-                    <a:pt x="570602" y="1871094"/>
-                  </a:lnTo>
-                  <a:lnTo>
-                    <a:pt x="627662" y="1897945"/>
-                  </a:lnTo>
-                  <a:lnTo>
-                    <a:pt x="684723" y="1924795"/>
-                  </a:lnTo>
-                  <a:lnTo>
-                    <a:pt x="741783" y="1951646"/>
-                  </a:lnTo>
-                  <a:lnTo>
-                    <a:pt x="798843" y="1978496"/>
-                  </a:lnTo>
-                  <a:lnTo>
-                    <a:pt x="855903" y="2005347"/>
-                  </a:lnTo>
-                  <a:lnTo>
-                    <a:pt x="912964" y="2032198"/>
-                  </a:lnTo>
-                  <a:lnTo>
-                    <a:pt x="970024" y="2059048"/>
-                  </a:lnTo>
-                  <a:lnTo>
-                    <a:pt x="1027084" y="2085899"/>
-                  </a:lnTo>
-                  <a:lnTo>
-                    <a:pt x="1084145" y="2112749"/>
-                  </a:lnTo>
-                  <a:lnTo>
-                    <a:pt x="1141205" y="2139600"/>
-                  </a:lnTo>
-                  <a:lnTo>
-                    <a:pt x="1198265" y="2166450"/>
-                  </a:lnTo>
-                  <a:lnTo>
-                    <a:pt x="1255325" y="2193301"/>
-                  </a:lnTo>
-                  <a:lnTo>
-                    <a:pt x="1312386" y="2220151"/>
-                  </a:lnTo>
-                  <a:lnTo>
-                    <a:pt x="1369446" y="2247002"/>
-                  </a:lnTo>
-                  <a:lnTo>
-                    <a:pt x="1426506" y="2273852"/>
-                  </a:lnTo>
-                  <a:lnTo>
-                    <a:pt x="1483566" y="2300703"/>
-                  </a:lnTo>
-                  <a:lnTo>
-                    <a:pt x="1540627" y="2327553"/>
-                  </a:lnTo>
-                  <a:lnTo>
-                    <a:pt x="1597687" y="2354404"/>
-                  </a:lnTo>
-                  <a:lnTo>
-                    <a:pt x="1654747" y="2381254"/>
-                  </a:lnTo>
-                  <a:lnTo>
-                    <a:pt x="1680457" y="2324097"/>
-                  </a:lnTo>
-                  <a:lnTo>
-                    <a:pt x="1704192" y="2266092"/>
-                  </a:lnTo>
-                  <a:lnTo>
-                    <a:pt x="1725927" y="2207308"/>
-                  </a:lnTo>
-                  <a:lnTo>
-                    <a:pt x="1745634" y="2147813"/>
-                  </a:lnTo>
-                  <a:lnTo>
-                    <a:pt x="1763291" y="2087679"/>
-                  </a:lnTo>
-                  <a:lnTo>
-                    <a:pt x="1778877" y="2026974"/>
-                  </a:lnTo>
-                  <a:lnTo>
-                    <a:pt x="1792374" y="1965771"/>
-                  </a:lnTo>
-                  <a:lnTo>
-                    <a:pt x="1803766" y="1904142"/>
-                  </a:lnTo>
-                  <a:lnTo>
-                    <a:pt x="1813040" y="1842158"/>
-                  </a:lnTo>
-                  <a:lnTo>
-                    <a:pt x="1820184" y="1779894"/>
-                  </a:lnTo>
-                  <a:lnTo>
-                    <a:pt x="1825191" y="1717420"/>
-                  </a:lnTo>
-                  <a:lnTo>
-                    <a:pt x="1828054" y="1654812"/>
-                  </a:lnTo>
-                  <a:lnTo>
-                    <a:pt x="1828770" y="1592143"/>
-                  </a:lnTo>
-                  <a:lnTo>
-                    <a:pt x="1827338" y="1529486"/>
-                  </a:lnTo>
-                  <a:lnTo>
-                    <a:pt x="1823760" y="1466915"/>
-                  </a:lnTo>
-                  <a:lnTo>
-                    <a:pt x="1818040" y="1404503"/>
-                  </a:lnTo>
-                  <a:lnTo>
-                    <a:pt x="1810185" y="1342324"/>
-                  </a:lnTo>
-                  <a:lnTo>
-                    <a:pt x="1800204" y="1280450"/>
-                  </a:lnTo>
-                  <a:lnTo>
-                    <a:pt x="1788109" y="1218955"/>
-                  </a:lnTo>
-                  <a:lnTo>
-                    <a:pt x="1773913" y="1157910"/>
-                  </a:lnTo>
-                  <a:lnTo>
-                    <a:pt x="1757635" y="1097388"/>
-                  </a:lnTo>
-                  <a:lnTo>
-                    <a:pt x="1739292" y="1037459"/>
-                  </a:lnTo>
-                  <a:lnTo>
-                    <a:pt x="1718906" y="978194"/>
-                  </a:lnTo>
-                  <a:lnTo>
-                    <a:pt x="1696502" y="919661"/>
-                  </a:lnTo>
-                  <a:lnTo>
-                    <a:pt x="1672105" y="861932"/>
-                  </a:lnTo>
-                  <a:lnTo>
-                    <a:pt x="1645744" y="805071"/>
-                  </a:lnTo>
-                  <a:lnTo>
-                    <a:pt x="1617450" y="749148"/>
-                  </a:lnTo>
-                  <a:lnTo>
-                    <a:pt x="1587257" y="694227"/>
-                  </a:lnTo>
-                  <a:lnTo>
-                    <a:pt x="1555200" y="640373"/>
-                  </a:lnTo>
-                  <a:lnTo>
-                    <a:pt x="1521316" y="587648"/>
-                  </a:lnTo>
-                  <a:lnTo>
-                    <a:pt x="1485646" y="536116"/>
-                  </a:lnTo>
-                  <a:lnTo>
-                    <a:pt x="1448230" y="485836"/>
-                  </a:lnTo>
-                  <a:lnTo>
-                    <a:pt x="1409114" y="436868"/>
-                  </a:lnTo>
-                  <a:lnTo>
-                    <a:pt x="1368343" y="389269"/>
-                  </a:lnTo>
-                  <a:lnTo>
-                    <a:pt x="1325965" y="343095"/>
-                  </a:lnTo>
-                  <a:lnTo>
-                    <a:pt x="1282029" y="298400"/>
-                  </a:lnTo>
-                  <a:lnTo>
-                    <a:pt x="1236588" y="255237"/>
-                  </a:lnTo>
-                  <a:lnTo>
-                    <a:pt x="1189695" y="213656"/>
-                  </a:lnTo>
-                  <a:lnTo>
-                    <a:pt x="1141404" y="173707"/>
-                  </a:lnTo>
-                  <a:lnTo>
-                    <a:pt x="1091773" y="135435"/>
-                  </a:lnTo>
-                  <a:lnTo>
-                    <a:pt x="1040859" y="98887"/>
-                  </a:lnTo>
-                  <a:lnTo>
-                    <a:pt x="988723" y="64105"/>
-                  </a:lnTo>
-                  <a:lnTo>
-                    <a:pt x="935426" y="31129"/>
-                  </a:lnTo>
-                  <a:lnTo>
-                    <a:pt x="881031" y="0"/>
-                  </a:lnTo>
-                  <a:lnTo>
-                    <a:pt x="850650" y="55261"/>
-                  </a:lnTo>
-                  <a:lnTo>
-                    <a:pt x="820270" y="110523"/>
-                  </a:lnTo>
-                  <a:lnTo>
-                    <a:pt x="789889" y="165785"/>
-                  </a:lnTo>
-                  <a:lnTo>
-                    <a:pt x="759509" y="221046"/>
-                  </a:lnTo>
-                  <a:lnTo>
-                    <a:pt x="729129" y="276308"/>
-                  </a:lnTo>
-                  <a:lnTo>
-                    <a:pt x="698748" y="331570"/>
-                  </a:lnTo>
-                  <a:lnTo>
-                    <a:pt x="668368" y="386831"/>
-                  </a:lnTo>
-                  <a:lnTo>
-                    <a:pt x="637988" y="442093"/>
-                  </a:lnTo>
-                  <a:lnTo>
-                    <a:pt x="607607" y="497355"/>
-                  </a:lnTo>
-                  <a:lnTo>
-                    <a:pt x="577227" y="552617"/>
-                  </a:lnTo>
-                  <a:lnTo>
-                    <a:pt x="546846" y="607878"/>
-                  </a:lnTo>
-                  <a:lnTo>
-                    <a:pt x="516466" y="663140"/>
-                  </a:lnTo>
-                  <a:lnTo>
-                    <a:pt x="486086" y="718402"/>
-                  </a:lnTo>
-                  <a:lnTo>
-                    <a:pt x="455705" y="773663"/>
-                  </a:lnTo>
-                  <a:lnTo>
-                    <a:pt x="425325" y="828925"/>
-                  </a:lnTo>
-                  <a:lnTo>
-                    <a:pt x="394944" y="884187"/>
-                  </a:lnTo>
-                  <a:lnTo>
-                    <a:pt x="364564" y="939449"/>
-                  </a:lnTo>
-                  <a:lnTo>
-                    <a:pt x="334184" y="994710"/>
-                  </a:lnTo>
-                  <a:lnTo>
-                    <a:pt x="303803" y="1049972"/>
-                  </a:lnTo>
-                  <a:lnTo>
-                    <a:pt x="273423" y="1105234"/>
-                  </a:lnTo>
-                  <a:lnTo>
-                    <a:pt x="243043" y="1160495"/>
-                  </a:lnTo>
-                  <a:lnTo>
-                    <a:pt x="212662" y="1215757"/>
-                  </a:lnTo>
-                  <a:lnTo>
-                    <a:pt x="182282" y="1271019"/>
-                  </a:lnTo>
-                  <a:lnTo>
-                    <a:pt x="151901" y="1326281"/>
-                  </a:lnTo>
-                  <a:lnTo>
-                    <a:pt x="121521" y="1381542"/>
-                  </a:lnTo>
-                  <a:lnTo>
-                    <a:pt x="91141" y="1436804"/>
-                  </a:lnTo>
-                  <a:lnTo>
-                    <a:pt x="60760" y="1492066"/>
-                  </a:lnTo>
-                  <a:lnTo>
-                    <a:pt x="30380" y="1547327"/>
+                    <a:pt x="56421" y="1611190"/>
+                  </a:lnTo>
+                  <a:lnTo>
+                    <a:pt x="112842" y="1637740"/>
+                  </a:lnTo>
+                  <a:lnTo>
+                    <a:pt x="169263" y="1664290"/>
+                  </a:lnTo>
+                  <a:lnTo>
+                    <a:pt x="225684" y="1690839"/>
+                  </a:lnTo>
+                  <a:lnTo>
+                    <a:pt x="282105" y="1717389"/>
+                  </a:lnTo>
+                  <a:lnTo>
+                    <a:pt x="338527" y="1743939"/>
+                  </a:lnTo>
+                  <a:lnTo>
+                    <a:pt x="394948" y="1770489"/>
+                  </a:lnTo>
+                  <a:lnTo>
+                    <a:pt x="451369" y="1797039"/>
+                  </a:lnTo>
+                  <a:lnTo>
+                    <a:pt x="507790" y="1823588"/>
+                  </a:lnTo>
+                  <a:lnTo>
+                    <a:pt x="564211" y="1850138"/>
+                  </a:lnTo>
+                  <a:lnTo>
+                    <a:pt x="620633" y="1876688"/>
+                  </a:lnTo>
+                  <a:lnTo>
+                    <a:pt x="677054" y="1903238"/>
+                  </a:lnTo>
+                  <a:lnTo>
+                    <a:pt x="733475" y="1929788"/>
+                  </a:lnTo>
+                  <a:lnTo>
+                    <a:pt x="789896" y="1956337"/>
+                  </a:lnTo>
+                  <a:lnTo>
+                    <a:pt x="846317" y="1982887"/>
+                  </a:lnTo>
+                  <a:lnTo>
+                    <a:pt x="902739" y="2009437"/>
+                  </a:lnTo>
+                  <a:lnTo>
+                    <a:pt x="959160" y="2035987"/>
+                  </a:lnTo>
+                  <a:lnTo>
+                    <a:pt x="1015581" y="2062537"/>
+                  </a:lnTo>
+                  <a:lnTo>
+                    <a:pt x="1072002" y="2089086"/>
+                  </a:lnTo>
+                  <a:lnTo>
+                    <a:pt x="1128423" y="2115636"/>
+                  </a:lnTo>
+                  <a:lnTo>
+                    <a:pt x="1184845" y="2142186"/>
+                  </a:lnTo>
+                  <a:lnTo>
+                    <a:pt x="1241266" y="2168736"/>
+                  </a:lnTo>
+                  <a:lnTo>
+                    <a:pt x="1297687" y="2195285"/>
+                  </a:lnTo>
+                  <a:lnTo>
+                    <a:pt x="1354108" y="2221835"/>
+                  </a:lnTo>
+                  <a:lnTo>
+                    <a:pt x="1410529" y="2248385"/>
+                  </a:lnTo>
+                  <a:lnTo>
+                    <a:pt x="1466950" y="2274935"/>
+                  </a:lnTo>
+                  <a:lnTo>
+                    <a:pt x="1523372" y="2301485"/>
+                  </a:lnTo>
+                  <a:lnTo>
+                    <a:pt x="1579793" y="2328034"/>
+                  </a:lnTo>
+                  <a:lnTo>
+                    <a:pt x="1636214" y="2354584"/>
+                  </a:lnTo>
+                  <a:lnTo>
+                    <a:pt x="1661636" y="2298067"/>
+                  </a:lnTo>
+                  <a:lnTo>
+                    <a:pt x="1685105" y="2240712"/>
+                  </a:lnTo>
+                  <a:lnTo>
+                    <a:pt x="1706596" y="2182586"/>
+                  </a:lnTo>
+                  <a:lnTo>
+                    <a:pt x="1726083" y="2123758"/>
+                  </a:lnTo>
+                  <a:lnTo>
+                    <a:pt x="1743542" y="2064297"/>
+                  </a:lnTo>
+                  <a:lnTo>
+                    <a:pt x="1758954" y="2004272"/>
+                  </a:lnTo>
+                  <a:lnTo>
+                    <a:pt x="1772300" y="1943755"/>
+                  </a:lnTo>
+                  <a:lnTo>
+                    <a:pt x="1783564" y="1882816"/>
+                  </a:lnTo>
+                  <a:lnTo>
+                    <a:pt x="1792734" y="1821526"/>
+                  </a:lnTo>
+                  <a:lnTo>
+                    <a:pt x="1799798" y="1759959"/>
+                  </a:lnTo>
+                  <a:lnTo>
+                    <a:pt x="1804749" y="1698185"/>
+                  </a:lnTo>
+                  <a:lnTo>
+                    <a:pt x="1807579" y="1636279"/>
+                  </a:lnTo>
+                  <a:lnTo>
+                    <a:pt x="1808287" y="1574311"/>
+                  </a:lnTo>
+                  <a:lnTo>
+                    <a:pt x="1806872" y="1512356"/>
+                  </a:lnTo>
+                  <a:lnTo>
+                    <a:pt x="1803334" y="1450485"/>
+                  </a:lnTo>
+                  <a:lnTo>
+                    <a:pt x="1797678" y="1388773"/>
+                  </a:lnTo>
+                  <a:lnTo>
+                    <a:pt x="1789911" y="1327290"/>
+                  </a:lnTo>
+                  <a:lnTo>
+                    <a:pt x="1780042" y="1266109"/>
+                  </a:lnTo>
+                  <a:lnTo>
+                    <a:pt x="1768082" y="1205303"/>
+                  </a:lnTo>
+                  <a:lnTo>
+                    <a:pt x="1754045" y="1144942"/>
+                  </a:lnTo>
+                  <a:lnTo>
+                    <a:pt x="1737949" y="1085097"/>
+                  </a:lnTo>
+                  <a:lnTo>
+                    <a:pt x="1719812" y="1025839"/>
+                  </a:lnTo>
+                  <a:lnTo>
+                    <a:pt x="1699654" y="967238"/>
+                  </a:lnTo>
+                  <a:lnTo>
+                    <a:pt x="1677501" y="909361"/>
+                  </a:lnTo>
+                  <a:lnTo>
+                    <a:pt x="1653377" y="852278"/>
+                  </a:lnTo>
+                  <a:lnTo>
+                    <a:pt x="1627312" y="796055"/>
+                  </a:lnTo>
+                  <a:lnTo>
+                    <a:pt x="1599335" y="740757"/>
+                  </a:lnTo>
+                  <a:lnTo>
+                    <a:pt x="1569480" y="686451"/>
+                  </a:lnTo>
+                  <a:lnTo>
+                    <a:pt x="1537782" y="633200"/>
+                  </a:lnTo>
+                  <a:lnTo>
+                    <a:pt x="1504277" y="581067"/>
+                  </a:lnTo>
+                  <a:lnTo>
+                    <a:pt x="1469006" y="530112"/>
+                  </a:lnTo>
+                  <a:lnTo>
+                    <a:pt x="1432010" y="480395"/>
+                  </a:lnTo>
+                  <a:lnTo>
+                    <a:pt x="1393332" y="431975"/>
+                  </a:lnTo>
+                  <a:lnTo>
+                    <a:pt x="1353018" y="384909"/>
+                  </a:lnTo>
+                  <a:lnTo>
+                    <a:pt x="1311114" y="339252"/>
+                  </a:lnTo>
+                  <a:lnTo>
+                    <a:pt x="1267671" y="295058"/>
+                  </a:lnTo>
+                  <a:lnTo>
+                    <a:pt x="1222738" y="252378"/>
+                  </a:lnTo>
+                  <a:lnTo>
+                    <a:pt x="1176370" y="211263"/>
+                  </a:lnTo>
+                  <a:lnTo>
+                    <a:pt x="1128620" y="171761"/>
+                  </a:lnTo>
+                  <a:lnTo>
+                    <a:pt x="1079545" y="133918"/>
+                  </a:lnTo>
+                  <a:lnTo>
+                    <a:pt x="1029202" y="97779"/>
+                  </a:lnTo>
+                  <a:lnTo>
+                    <a:pt x="977650" y="63387"/>
+                  </a:lnTo>
+                  <a:lnTo>
+                    <a:pt x="924950" y="30781"/>
+                  </a:lnTo>
+                  <a:lnTo>
+                    <a:pt x="871163" y="0"/>
+                  </a:lnTo>
+                  <a:lnTo>
+                    <a:pt x="841123" y="54642"/>
+                  </a:lnTo>
+                  <a:lnTo>
+                    <a:pt x="811083" y="109285"/>
+                  </a:lnTo>
+                  <a:lnTo>
+                    <a:pt x="781043" y="163928"/>
+                  </a:lnTo>
+                  <a:lnTo>
+                    <a:pt x="751003" y="218571"/>
+                  </a:lnTo>
+                  <a:lnTo>
+                    <a:pt x="720962" y="273213"/>
+                  </a:lnTo>
+                  <a:lnTo>
+                    <a:pt x="690922" y="327856"/>
+                  </a:lnTo>
+                  <a:lnTo>
+                    <a:pt x="660882" y="382499"/>
+                  </a:lnTo>
+                  <a:lnTo>
+                    <a:pt x="630842" y="437142"/>
+                  </a:lnTo>
+                  <a:lnTo>
+                    <a:pt x="600802" y="491785"/>
+                  </a:lnTo>
+                  <a:lnTo>
+                    <a:pt x="570762" y="546427"/>
+                  </a:lnTo>
+                  <a:lnTo>
+                    <a:pt x="540722" y="601070"/>
+                  </a:lnTo>
+                  <a:lnTo>
+                    <a:pt x="510682" y="655713"/>
+                  </a:lnTo>
+                  <a:lnTo>
+                    <a:pt x="480641" y="710356"/>
+                  </a:lnTo>
+                  <a:lnTo>
+                    <a:pt x="450601" y="764998"/>
+                  </a:lnTo>
+                  <a:lnTo>
+                    <a:pt x="420561" y="819641"/>
+                  </a:lnTo>
+                  <a:lnTo>
+                    <a:pt x="390521" y="874284"/>
+                  </a:lnTo>
+                  <a:lnTo>
+                    <a:pt x="360481" y="928927"/>
+                  </a:lnTo>
+                  <a:lnTo>
+                    <a:pt x="330441" y="983570"/>
+                  </a:lnTo>
+                  <a:lnTo>
+                    <a:pt x="300401" y="1038212"/>
+                  </a:lnTo>
+                  <a:lnTo>
+                    <a:pt x="270361" y="1092855"/>
+                  </a:lnTo>
+                  <a:lnTo>
+                    <a:pt x="240320" y="1147498"/>
+                  </a:lnTo>
+                  <a:lnTo>
+                    <a:pt x="210280" y="1202141"/>
+                  </a:lnTo>
+                  <a:lnTo>
+                    <a:pt x="180240" y="1256783"/>
+                  </a:lnTo>
+                  <a:lnTo>
+                    <a:pt x="150200" y="1311426"/>
+                  </a:lnTo>
+                  <a:lnTo>
+                    <a:pt x="120160" y="1366069"/>
+                  </a:lnTo>
+                  <a:lnTo>
+                    <a:pt x="90120" y="1420712"/>
+                  </a:lnTo>
+                  <a:lnTo>
+                    <a:pt x="60080" y="1475355"/>
+                  </a:lnTo>
+                  <a:lnTo>
+                    <a:pt x="30040" y="1529997"/>
                   </a:lnTo>
                   <a:close/>
                 </a:path>
@@ -4306,228 +4306,228 @@
           </p:nvSpPr>
           <p:spPr>
             <a:xfrm>
-              <a:off x="5349081" y="1952625"/>
-              <a:ext cx="881031" cy="1828799"/>
+              <a:off x="5349081" y="1973107"/>
+              <a:ext cx="871163" cy="1808317"/>
             </a:xfrm>
             <a:custGeom>
               <a:avLst/>
               <a:pathLst>
-                <a:path w="881031" h="1828799">
+                <a:path w="871163" h="1808317">
                   <a:moveTo>
-                    <a:pt x="0" y="1828799"/>
+                    <a:pt x="0" y="1808317"/>
                   </a:moveTo>
                   <a:lnTo>
-                    <a:pt x="30380" y="1773538"/>
-                  </a:lnTo>
-                  <a:lnTo>
-                    <a:pt x="60760" y="1718276"/>
-                  </a:lnTo>
-                  <a:lnTo>
-                    <a:pt x="91141" y="1663014"/>
-                  </a:lnTo>
-                  <a:lnTo>
-                    <a:pt x="121521" y="1607753"/>
-                  </a:lnTo>
-                  <a:lnTo>
-                    <a:pt x="151901" y="1552491"/>
-                  </a:lnTo>
-                  <a:lnTo>
-                    <a:pt x="182282" y="1497229"/>
-                  </a:lnTo>
-                  <a:lnTo>
-                    <a:pt x="212662" y="1441968"/>
-                  </a:lnTo>
-                  <a:lnTo>
-                    <a:pt x="243043" y="1386706"/>
-                  </a:lnTo>
-                  <a:lnTo>
-                    <a:pt x="273423" y="1331444"/>
-                  </a:lnTo>
-                  <a:lnTo>
-                    <a:pt x="303803" y="1276182"/>
-                  </a:lnTo>
-                  <a:lnTo>
-                    <a:pt x="334184" y="1220921"/>
-                  </a:lnTo>
-                  <a:lnTo>
-                    <a:pt x="364564" y="1165659"/>
-                  </a:lnTo>
-                  <a:lnTo>
-                    <a:pt x="394944" y="1110397"/>
-                  </a:lnTo>
-                  <a:lnTo>
-                    <a:pt x="425325" y="1055136"/>
-                  </a:lnTo>
-                  <a:lnTo>
-                    <a:pt x="455705" y="999874"/>
-                  </a:lnTo>
-                  <a:lnTo>
-                    <a:pt x="486086" y="944612"/>
-                  </a:lnTo>
-                  <a:lnTo>
-                    <a:pt x="516466" y="889350"/>
-                  </a:lnTo>
-                  <a:lnTo>
-                    <a:pt x="546846" y="834089"/>
-                  </a:lnTo>
-                  <a:lnTo>
-                    <a:pt x="577227" y="778827"/>
-                  </a:lnTo>
-                  <a:lnTo>
-                    <a:pt x="607607" y="723565"/>
-                  </a:lnTo>
-                  <a:lnTo>
-                    <a:pt x="637988" y="668304"/>
-                  </a:lnTo>
-                  <a:lnTo>
-                    <a:pt x="668368" y="613042"/>
-                  </a:lnTo>
-                  <a:lnTo>
-                    <a:pt x="698748" y="557780"/>
-                  </a:lnTo>
-                  <a:lnTo>
-                    <a:pt x="729129" y="502518"/>
-                  </a:lnTo>
-                  <a:lnTo>
-                    <a:pt x="759509" y="447257"/>
-                  </a:lnTo>
-                  <a:lnTo>
-                    <a:pt x="789889" y="391995"/>
-                  </a:lnTo>
-                  <a:lnTo>
-                    <a:pt x="820270" y="336733"/>
-                  </a:lnTo>
-                  <a:lnTo>
-                    <a:pt x="850650" y="281472"/>
-                  </a:lnTo>
-                  <a:lnTo>
-                    <a:pt x="881031" y="226210"/>
-                  </a:lnTo>
-                  <a:lnTo>
-                    <a:pt x="822936" y="195617"/>
-                  </a:lnTo>
-                  <a:lnTo>
-                    <a:pt x="763781" y="167129"/>
-                  </a:lnTo>
-                  <a:lnTo>
-                    <a:pt x="703641" y="140783"/>
-                  </a:lnTo>
-                  <a:lnTo>
-                    <a:pt x="642594" y="116613"/>
-                  </a:lnTo>
-                  <a:lnTo>
-                    <a:pt x="580719" y="94650"/>
-                  </a:lnTo>
-                  <a:lnTo>
-                    <a:pt x="518095" y="74922"/>
-                  </a:lnTo>
-                  <a:lnTo>
-                    <a:pt x="454804" y="57455"/>
-                  </a:lnTo>
-                  <a:lnTo>
-                    <a:pt x="390926" y="42270"/>
-                  </a:lnTo>
-                  <a:lnTo>
-                    <a:pt x="326544" y="29389"/>
-                  </a:lnTo>
-                  <a:lnTo>
-                    <a:pt x="261742" y="18827"/>
-                  </a:lnTo>
-                  <a:lnTo>
-                    <a:pt x="196602" y="10598"/>
-                  </a:lnTo>
-                  <a:lnTo>
-                    <a:pt x="131209" y="4712"/>
-                  </a:lnTo>
-                  <a:lnTo>
-                    <a:pt x="65646" y="1178"/>
+                    <a:pt x="30040" y="1753674"/>
+                  </a:lnTo>
+                  <a:lnTo>
+                    <a:pt x="60080" y="1699031"/>
+                  </a:lnTo>
+                  <a:lnTo>
+                    <a:pt x="90120" y="1644389"/>
+                  </a:lnTo>
+                  <a:lnTo>
+                    <a:pt x="120160" y="1589746"/>
+                  </a:lnTo>
+                  <a:lnTo>
+                    <a:pt x="150200" y="1535103"/>
+                  </a:lnTo>
+                  <a:lnTo>
+                    <a:pt x="180240" y="1480460"/>
+                  </a:lnTo>
+                  <a:lnTo>
+                    <a:pt x="210280" y="1425817"/>
+                  </a:lnTo>
+                  <a:lnTo>
+                    <a:pt x="240320" y="1371175"/>
+                  </a:lnTo>
+                  <a:lnTo>
+                    <a:pt x="270361" y="1316532"/>
+                  </a:lnTo>
+                  <a:lnTo>
+                    <a:pt x="300401" y="1261889"/>
+                  </a:lnTo>
+                  <a:lnTo>
+                    <a:pt x="330441" y="1207246"/>
+                  </a:lnTo>
+                  <a:lnTo>
+                    <a:pt x="360481" y="1152604"/>
+                  </a:lnTo>
+                  <a:lnTo>
+                    <a:pt x="390521" y="1097961"/>
+                  </a:lnTo>
+                  <a:lnTo>
+                    <a:pt x="420561" y="1043318"/>
+                  </a:lnTo>
+                  <a:lnTo>
+                    <a:pt x="450601" y="988675"/>
+                  </a:lnTo>
+                  <a:lnTo>
+                    <a:pt x="480641" y="934032"/>
+                  </a:lnTo>
+                  <a:lnTo>
+                    <a:pt x="510682" y="879390"/>
+                  </a:lnTo>
+                  <a:lnTo>
+                    <a:pt x="540722" y="824747"/>
+                  </a:lnTo>
+                  <a:lnTo>
+                    <a:pt x="570762" y="770104"/>
+                  </a:lnTo>
+                  <a:lnTo>
+                    <a:pt x="600802" y="715461"/>
+                  </a:lnTo>
+                  <a:lnTo>
+                    <a:pt x="630842" y="660819"/>
+                  </a:lnTo>
+                  <a:lnTo>
+                    <a:pt x="660882" y="606176"/>
+                  </a:lnTo>
+                  <a:lnTo>
+                    <a:pt x="690922" y="551533"/>
+                  </a:lnTo>
+                  <a:lnTo>
+                    <a:pt x="720962" y="496890"/>
+                  </a:lnTo>
+                  <a:lnTo>
+                    <a:pt x="751003" y="442247"/>
+                  </a:lnTo>
+                  <a:lnTo>
+                    <a:pt x="781043" y="387605"/>
+                  </a:lnTo>
+                  <a:lnTo>
+                    <a:pt x="811083" y="332962"/>
+                  </a:lnTo>
+                  <a:lnTo>
+                    <a:pt x="841123" y="278319"/>
+                  </a:lnTo>
+                  <a:lnTo>
+                    <a:pt x="871163" y="223676"/>
+                  </a:lnTo>
+                  <a:lnTo>
+                    <a:pt x="813719" y="193426"/>
+                  </a:lnTo>
+                  <a:lnTo>
+                    <a:pt x="755226" y="165257"/>
+                  </a:lnTo>
+                  <a:lnTo>
+                    <a:pt x="695760" y="139207"/>
+                  </a:lnTo>
+                  <a:lnTo>
+                    <a:pt x="635397" y="115307"/>
+                  </a:lnTo>
+                  <a:lnTo>
+                    <a:pt x="574215" y="93590"/>
+                  </a:lnTo>
+                  <a:lnTo>
+                    <a:pt x="512292" y="74083"/>
+                  </a:lnTo>
+                  <a:lnTo>
+                    <a:pt x="449710" y="56811"/>
+                  </a:lnTo>
+                  <a:lnTo>
+                    <a:pt x="386548" y="41797"/>
+                  </a:lnTo>
+                  <a:lnTo>
+                    <a:pt x="322887" y="29060"/>
+                  </a:lnTo>
+                  <a:lnTo>
+                    <a:pt x="258810" y="18616"/>
+                  </a:lnTo>
+                  <a:lnTo>
+                    <a:pt x="194400" y="10479"/>
+                  </a:lnTo>
+                  <a:lnTo>
+                    <a:pt x="129739" y="4660"/>
+                  </a:lnTo>
+                  <a:lnTo>
+                    <a:pt x="64911" y="1165"/>
                   </a:lnTo>
                   <a:lnTo>
                     <a:pt x="0" y="0"/>
                   </a:lnTo>
                   <a:lnTo>
-                    <a:pt x="0" y="63062"/>
-                  </a:lnTo>
-                  <a:lnTo>
-                    <a:pt x="0" y="126124"/>
-                  </a:lnTo>
-                  <a:lnTo>
-                    <a:pt x="0" y="189186"/>
-                  </a:lnTo>
-                  <a:lnTo>
-                    <a:pt x="0" y="252248"/>
-                  </a:lnTo>
-                  <a:lnTo>
-                    <a:pt x="0" y="315310"/>
-                  </a:lnTo>
-                  <a:lnTo>
-                    <a:pt x="0" y="378372"/>
-                  </a:lnTo>
-                  <a:lnTo>
-                    <a:pt x="0" y="441434"/>
-                  </a:lnTo>
-                  <a:lnTo>
-                    <a:pt x="0" y="504496"/>
-                  </a:lnTo>
-                  <a:lnTo>
-                    <a:pt x="0" y="567558"/>
-                  </a:lnTo>
-                  <a:lnTo>
-                    <a:pt x="0" y="630620"/>
-                  </a:lnTo>
-                  <a:lnTo>
-                    <a:pt x="0" y="693682"/>
-                  </a:lnTo>
-                  <a:lnTo>
-                    <a:pt x="0" y="756744"/>
-                  </a:lnTo>
-                  <a:lnTo>
-                    <a:pt x="0" y="819806"/>
-                  </a:lnTo>
-                  <a:lnTo>
-                    <a:pt x="0" y="882868"/>
-                  </a:lnTo>
-                  <a:lnTo>
-                    <a:pt x="0" y="945931"/>
-                  </a:lnTo>
-                  <a:lnTo>
-                    <a:pt x="0" y="1008993"/>
-                  </a:lnTo>
-                  <a:lnTo>
-                    <a:pt x="0" y="1072055"/>
-                  </a:lnTo>
-                  <a:lnTo>
-                    <a:pt x="0" y="1135117"/>
-                  </a:lnTo>
-                  <a:lnTo>
-                    <a:pt x="0" y="1198179"/>
-                  </a:lnTo>
-                  <a:lnTo>
-                    <a:pt x="0" y="1261241"/>
-                  </a:lnTo>
-                  <a:lnTo>
-                    <a:pt x="0" y="1324303"/>
-                  </a:lnTo>
-                  <a:lnTo>
-                    <a:pt x="0" y="1387365"/>
-                  </a:lnTo>
-                  <a:lnTo>
-                    <a:pt x="0" y="1450427"/>
-                  </a:lnTo>
-                  <a:lnTo>
-                    <a:pt x="0" y="1513489"/>
-                  </a:lnTo>
-                  <a:lnTo>
-                    <a:pt x="0" y="1576551"/>
-                  </a:lnTo>
-                  <a:lnTo>
-                    <a:pt x="0" y="1639613"/>
-                  </a:lnTo>
-                  <a:lnTo>
-                    <a:pt x="0" y="1702675"/>
-                  </a:lnTo>
-                  <a:lnTo>
-                    <a:pt x="0" y="1765737"/>
+                    <a:pt x="0" y="62355"/>
+                  </a:lnTo>
+                  <a:lnTo>
+                    <a:pt x="0" y="124711"/>
+                  </a:lnTo>
+                  <a:lnTo>
+                    <a:pt x="0" y="187067"/>
+                  </a:lnTo>
+                  <a:lnTo>
+                    <a:pt x="0" y="249423"/>
+                  </a:lnTo>
+                  <a:lnTo>
+                    <a:pt x="0" y="311778"/>
+                  </a:lnTo>
+                  <a:lnTo>
+                    <a:pt x="0" y="374134"/>
+                  </a:lnTo>
+                  <a:lnTo>
+                    <a:pt x="0" y="436490"/>
+                  </a:lnTo>
+                  <a:lnTo>
+                    <a:pt x="0" y="498846"/>
+                  </a:lnTo>
+                  <a:lnTo>
+                    <a:pt x="0" y="561201"/>
+                  </a:lnTo>
+                  <a:lnTo>
+                    <a:pt x="0" y="623557"/>
+                  </a:lnTo>
+                  <a:lnTo>
+                    <a:pt x="0" y="685913"/>
+                  </a:lnTo>
+                  <a:lnTo>
+                    <a:pt x="0" y="748269"/>
+                  </a:lnTo>
+                  <a:lnTo>
+                    <a:pt x="0" y="810625"/>
+                  </a:lnTo>
+                  <a:lnTo>
+                    <a:pt x="0" y="872980"/>
+                  </a:lnTo>
+                  <a:lnTo>
+                    <a:pt x="0" y="935336"/>
+                  </a:lnTo>
+                  <a:lnTo>
+                    <a:pt x="0" y="997692"/>
+                  </a:lnTo>
+                  <a:lnTo>
+                    <a:pt x="0" y="1060048"/>
+                  </a:lnTo>
+                  <a:lnTo>
+                    <a:pt x="0" y="1122403"/>
+                  </a:lnTo>
+                  <a:lnTo>
+                    <a:pt x="0" y="1184759"/>
+                  </a:lnTo>
+                  <a:lnTo>
+                    <a:pt x="0" y="1247115"/>
+                  </a:lnTo>
+                  <a:lnTo>
+                    <a:pt x="0" y="1309471"/>
+                  </a:lnTo>
+                  <a:lnTo>
+                    <a:pt x="0" y="1371827"/>
+                  </a:lnTo>
+                  <a:lnTo>
+                    <a:pt x="0" y="1434182"/>
+                  </a:lnTo>
+                  <a:lnTo>
+                    <a:pt x="0" y="1496538"/>
+                  </a:lnTo>
+                  <a:lnTo>
+                    <a:pt x="0" y="1558894"/>
+                  </a:lnTo>
+                  <a:lnTo>
+                    <a:pt x="0" y="1621250"/>
+                  </a:lnTo>
+                  <a:lnTo>
+                    <a:pt x="0" y="1683605"/>
+                  </a:lnTo>
+                  <a:lnTo>
+                    <a:pt x="0" y="1745961"/>
                   </a:lnTo>
                   <a:close/>
                 </a:path>
@@ -4562,7 +4562,7 @@
           </p:nvSpPr>
           <p:spPr>
             <a:xfrm>
-              <a:off x="4779168" y="2838629"/>
+              <a:off x="4782564" y="2848414"/>
               <a:ext cx="296153" cy="102003"/>
             </a:xfrm>
             <a:prstGeom prst="rect">
@@ -4608,7 +4608,7 @@
           </p:nvSpPr>
           <p:spPr>
             <a:xfrm>
-              <a:off x="4382752" y="4472467"/>
+              <a:off x="4390405" y="4460612"/>
               <a:ext cx="482977" cy="128018"/>
             </a:xfrm>
             <a:prstGeom prst="rect">
@@ -4654,7 +4654,7 @@
           </p:nvSpPr>
           <p:spPr>
             <a:xfrm>
-              <a:off x="5836505" y="3349370"/>
+              <a:off x="5822544" y="3353221"/>
               <a:ext cx="966091" cy="102003"/>
             </a:xfrm>
             <a:prstGeom prst="rect">
@@ -4700,7 +4700,7 @@
           </p:nvSpPr>
           <p:spPr>
             <a:xfrm>
-              <a:off x="5621123" y="2848066"/>
+              <a:off x="5618604" y="2858054"/>
               <a:ext cx="989436" cy="103852"/>
             </a:xfrm>
             <a:prstGeom prst="rect">
